--- a/BCI - Day1 - Intro 3 Developer Roadmap.pptx
+++ b/BCI - Day1 - Intro 3 Developer Roadmap.pptx
@@ -11,18 +11,24 @@
     <p:sldId id="1843" r:id="rId3"/>
     <p:sldId id="1387" r:id="rId4"/>
     <p:sldId id="1551" r:id="rId6"/>
-    <p:sldId id="1831" r:id="rId7"/>
-    <p:sldId id="1832" r:id="rId8"/>
-    <p:sldId id="1833" r:id="rId9"/>
-    <p:sldId id="1834" r:id="rId10"/>
-    <p:sldId id="1835" r:id="rId11"/>
-    <p:sldId id="1836" r:id="rId12"/>
-    <p:sldId id="1837" r:id="rId13"/>
-    <p:sldId id="1838" r:id="rId14"/>
-    <p:sldId id="1839" r:id="rId15"/>
-    <p:sldId id="1840" r:id="rId16"/>
-    <p:sldId id="1841" r:id="rId17"/>
-    <p:sldId id="1842" r:id="rId18"/>
+    <p:sldId id="1858" r:id="rId7"/>
+    <p:sldId id="1831" r:id="rId8"/>
+    <p:sldId id="1859" r:id="rId9"/>
+    <p:sldId id="1832" r:id="rId10"/>
+    <p:sldId id="1860" r:id="rId11"/>
+    <p:sldId id="1833" r:id="rId12"/>
+    <p:sldId id="1861" r:id="rId13"/>
+    <p:sldId id="1834" r:id="rId14"/>
+    <p:sldId id="1835" r:id="rId15"/>
+    <p:sldId id="1836" r:id="rId16"/>
+    <p:sldId id="1862" r:id="rId17"/>
+    <p:sldId id="1837" r:id="rId18"/>
+    <p:sldId id="1863" r:id="rId19"/>
+    <p:sldId id="1838" r:id="rId20"/>
+    <p:sldId id="1839" r:id="rId21"/>
+    <p:sldId id="1864" r:id="rId22"/>
+    <p:sldId id="1840" r:id="rId23"/>
+    <p:sldId id="1842" r:id="rId24"/>
   </p:sldIdLst>
   <p:sldSz cx="9144000" cy="6858000" type="screen4x3"/>
   <p:notesSz cx="7315200" cy="9601200"/>
@@ -478,6 +484,678 @@
 </file>
 
 <file path=ppt/notesSlides/notesSlide1.xml><?xml version="1.0" encoding="utf-8"?>
+<p:notes xmlns:a="http://schemas.openxmlformats.org/drawingml/2006/main" xmlns:r="http://schemas.openxmlformats.org/officeDocument/2006/relationships" xmlns:p="http://schemas.openxmlformats.org/presentationml/2006/main">
+  <p:cSld>
+    <p:spTree>
+      <p:nvGrpSpPr>
+        <p:cNvPr id="1" name=""/>
+        <p:cNvGrpSpPr/>
+        <p:nvPr/>
+      </p:nvGrpSpPr>
+      <p:grpSpPr>
+        <a:xfrm>
+          <a:off x="0" y="0"/>
+          <a:ext cx="0" cy="0"/>
+          <a:chOff x="0" y="0"/>
+          <a:chExt cx="0" cy="0"/>
+        </a:xfrm>
+      </p:grpSpPr>
+      <p:sp>
+        <p:nvSpPr>
+          <p:cNvPr id="22529" name="Slide Image Placeholder 1"/>
+          <p:cNvSpPr>
+            <a:spLocks noGrp="1" noRot="1" noChangeAspect="1"/>
+          </p:cNvSpPr>
+          <p:nvPr>
+            <p:ph type="sldImg"/>
+          </p:nvPr>
+        </p:nvSpPr>
+        <p:spPr/>
+      </p:sp>
+      <p:sp>
+        <p:nvSpPr>
+          <p:cNvPr id="22530" name="Notes Placeholder 2"/>
+          <p:cNvSpPr>
+            <a:spLocks noGrp="1"/>
+          </p:cNvSpPr>
+          <p:nvPr>
+            <p:ph type="body"/>
+          </p:nvPr>
+        </p:nvSpPr>
+        <p:spPr>
+          <a:noFill/>
+          <a:ln>
+            <a:noFill/>
+          </a:ln>
+        </p:spPr>
+        <p:txBody>
+          <a:bodyPr lIns="0" tIns="0" rIns="0" bIns="0" anchor="t"/>
+          <a:lstStyle/>
+          <a:p>
+            <a:pPr indent="-36195"/>
+            <a:endParaRPr lang="en-GB" altLang="zh-CN"/>
+          </a:p>
+        </p:txBody>
+      </p:sp>
+      <p:sp>
+        <p:nvSpPr>
+          <p:cNvPr id="22531" name="Slide Number Placeholder 3"/>
+          <p:cNvSpPr>
+            <a:spLocks noGrp="1"/>
+          </p:cNvSpPr>
+          <p:nvPr>
+            <p:ph type="sldNum" sz="quarter"/>
+          </p:nvPr>
+        </p:nvSpPr>
+        <p:spPr>
+          <a:xfrm>
+            <a:off x="5867400" y="8686800"/>
+            <a:ext cx="609600" cy="227013"/>
+          </a:xfrm>
+          <a:prstGeom prst="rect">
+            <a:avLst/>
+          </a:prstGeom>
+          <a:noFill/>
+          <a:ln w="9525">
+            <a:noFill/>
+          </a:ln>
+        </p:spPr>
+        <p:txBody>
+          <a:bodyPr lIns="0" tIns="0" rIns="0" bIns="0" anchor="ctr"/>
+          <a:lstStyle/>
+          <a:p>
+            <a:fld id="{9A0DB2DC-4C9A-4742-B13C-FB6460FD3503}" type="slidenum">
+              <a:rPr lang="en-GB" altLang="zh-CN" sz="900"/>
+            </a:fld>
+            <a:endParaRPr lang="en-GB" altLang="zh-CN" sz="900"/>
+          </a:p>
+        </p:txBody>
+      </p:sp>
+    </p:spTree>
+  </p:cSld>
+  <p:clrMapOvr>
+    <a:masterClrMapping/>
+  </p:clrMapOvr>
+</p:notes>
+</file>
+
+<file path=ppt/notesSlides/notesSlide2.xml><?xml version="1.0" encoding="utf-8"?>
+<p:notes xmlns:a="http://schemas.openxmlformats.org/drawingml/2006/main" xmlns:r="http://schemas.openxmlformats.org/officeDocument/2006/relationships" xmlns:p="http://schemas.openxmlformats.org/presentationml/2006/main">
+  <p:cSld>
+    <p:spTree>
+      <p:nvGrpSpPr>
+        <p:cNvPr id="1" name=""/>
+        <p:cNvGrpSpPr/>
+        <p:nvPr/>
+      </p:nvGrpSpPr>
+      <p:grpSpPr>
+        <a:xfrm>
+          <a:off x="0" y="0"/>
+          <a:ext cx="0" cy="0"/>
+          <a:chOff x="0" y="0"/>
+          <a:chExt cx="0" cy="0"/>
+        </a:xfrm>
+      </p:grpSpPr>
+      <p:sp>
+        <p:nvSpPr>
+          <p:cNvPr id="22529" name="Slide Image Placeholder 1"/>
+          <p:cNvSpPr>
+            <a:spLocks noGrp="1" noRot="1" noChangeAspect="1"/>
+          </p:cNvSpPr>
+          <p:nvPr>
+            <p:ph type="sldImg"/>
+          </p:nvPr>
+        </p:nvSpPr>
+        <p:spPr/>
+      </p:sp>
+      <p:sp>
+        <p:nvSpPr>
+          <p:cNvPr id="22530" name="Notes Placeholder 2"/>
+          <p:cNvSpPr>
+            <a:spLocks noGrp="1"/>
+          </p:cNvSpPr>
+          <p:nvPr>
+            <p:ph type="body"/>
+          </p:nvPr>
+        </p:nvSpPr>
+        <p:spPr>
+          <a:noFill/>
+          <a:ln>
+            <a:noFill/>
+          </a:ln>
+        </p:spPr>
+        <p:txBody>
+          <a:bodyPr lIns="0" tIns="0" rIns="0" bIns="0" anchor="t"/>
+          <a:lstStyle/>
+          <a:p>
+            <a:pPr indent="-36195"/>
+            <a:endParaRPr lang="en-GB" altLang="zh-CN"/>
+          </a:p>
+        </p:txBody>
+      </p:sp>
+      <p:sp>
+        <p:nvSpPr>
+          <p:cNvPr id="22531" name="Slide Number Placeholder 3"/>
+          <p:cNvSpPr>
+            <a:spLocks noGrp="1"/>
+          </p:cNvSpPr>
+          <p:nvPr>
+            <p:ph type="sldNum" sz="quarter"/>
+          </p:nvPr>
+        </p:nvSpPr>
+        <p:spPr>
+          <a:xfrm>
+            <a:off x="5867400" y="8686800"/>
+            <a:ext cx="609600" cy="227013"/>
+          </a:xfrm>
+          <a:prstGeom prst="rect">
+            <a:avLst/>
+          </a:prstGeom>
+          <a:noFill/>
+          <a:ln w="9525">
+            <a:noFill/>
+          </a:ln>
+        </p:spPr>
+        <p:txBody>
+          <a:bodyPr lIns="0" tIns="0" rIns="0" bIns="0" anchor="ctr"/>
+          <a:lstStyle/>
+          <a:p>
+            <a:fld id="{9A0DB2DC-4C9A-4742-B13C-FB6460FD3503}" type="slidenum">
+              <a:rPr lang="en-GB" altLang="zh-CN" sz="900"/>
+            </a:fld>
+            <a:endParaRPr lang="en-GB" altLang="zh-CN" sz="900"/>
+          </a:p>
+        </p:txBody>
+      </p:sp>
+    </p:spTree>
+  </p:cSld>
+  <p:clrMapOvr>
+    <a:masterClrMapping/>
+  </p:clrMapOvr>
+</p:notes>
+</file>
+
+<file path=ppt/notesSlides/notesSlide3.xml><?xml version="1.0" encoding="utf-8"?>
+<p:notes xmlns:a="http://schemas.openxmlformats.org/drawingml/2006/main" xmlns:r="http://schemas.openxmlformats.org/officeDocument/2006/relationships" xmlns:p="http://schemas.openxmlformats.org/presentationml/2006/main">
+  <p:cSld>
+    <p:spTree>
+      <p:nvGrpSpPr>
+        <p:cNvPr id="1" name=""/>
+        <p:cNvGrpSpPr/>
+        <p:nvPr/>
+      </p:nvGrpSpPr>
+      <p:grpSpPr>
+        <a:xfrm>
+          <a:off x="0" y="0"/>
+          <a:ext cx="0" cy="0"/>
+          <a:chOff x="0" y="0"/>
+          <a:chExt cx="0" cy="0"/>
+        </a:xfrm>
+      </p:grpSpPr>
+      <p:sp>
+        <p:nvSpPr>
+          <p:cNvPr id="22529" name="Slide Image Placeholder 1"/>
+          <p:cNvSpPr>
+            <a:spLocks noGrp="1" noRot="1" noChangeAspect="1"/>
+          </p:cNvSpPr>
+          <p:nvPr>
+            <p:ph type="sldImg"/>
+          </p:nvPr>
+        </p:nvSpPr>
+        <p:spPr/>
+      </p:sp>
+      <p:sp>
+        <p:nvSpPr>
+          <p:cNvPr id="22530" name="Notes Placeholder 2"/>
+          <p:cNvSpPr>
+            <a:spLocks noGrp="1"/>
+          </p:cNvSpPr>
+          <p:nvPr>
+            <p:ph type="body"/>
+          </p:nvPr>
+        </p:nvSpPr>
+        <p:spPr>
+          <a:noFill/>
+          <a:ln>
+            <a:noFill/>
+          </a:ln>
+        </p:spPr>
+        <p:txBody>
+          <a:bodyPr lIns="0" tIns="0" rIns="0" bIns="0" anchor="t"/>
+          <a:lstStyle/>
+          <a:p>
+            <a:pPr indent="-36195"/>
+            <a:endParaRPr lang="en-GB" altLang="zh-CN"/>
+          </a:p>
+        </p:txBody>
+      </p:sp>
+      <p:sp>
+        <p:nvSpPr>
+          <p:cNvPr id="22531" name="Slide Number Placeholder 3"/>
+          <p:cNvSpPr>
+            <a:spLocks noGrp="1"/>
+          </p:cNvSpPr>
+          <p:nvPr>
+            <p:ph type="sldNum" sz="quarter"/>
+          </p:nvPr>
+        </p:nvSpPr>
+        <p:spPr>
+          <a:xfrm>
+            <a:off x="5867400" y="8686800"/>
+            <a:ext cx="609600" cy="227013"/>
+          </a:xfrm>
+          <a:prstGeom prst="rect">
+            <a:avLst/>
+          </a:prstGeom>
+          <a:noFill/>
+          <a:ln w="9525">
+            <a:noFill/>
+          </a:ln>
+        </p:spPr>
+        <p:txBody>
+          <a:bodyPr lIns="0" tIns="0" rIns="0" bIns="0" anchor="ctr"/>
+          <a:lstStyle/>
+          <a:p>
+            <a:fld id="{9A0DB2DC-4C9A-4742-B13C-FB6460FD3503}" type="slidenum">
+              <a:rPr lang="en-GB" altLang="zh-CN" sz="900"/>
+            </a:fld>
+            <a:endParaRPr lang="en-GB" altLang="zh-CN" sz="900"/>
+          </a:p>
+        </p:txBody>
+      </p:sp>
+    </p:spTree>
+  </p:cSld>
+  <p:clrMapOvr>
+    <a:masterClrMapping/>
+  </p:clrMapOvr>
+</p:notes>
+</file>
+
+<file path=ppt/notesSlides/notesSlide4.xml><?xml version="1.0" encoding="utf-8"?>
+<p:notes xmlns:a="http://schemas.openxmlformats.org/drawingml/2006/main" xmlns:r="http://schemas.openxmlformats.org/officeDocument/2006/relationships" xmlns:p="http://schemas.openxmlformats.org/presentationml/2006/main">
+  <p:cSld>
+    <p:spTree>
+      <p:nvGrpSpPr>
+        <p:cNvPr id="1" name=""/>
+        <p:cNvGrpSpPr/>
+        <p:nvPr/>
+      </p:nvGrpSpPr>
+      <p:grpSpPr>
+        <a:xfrm>
+          <a:off x="0" y="0"/>
+          <a:ext cx="0" cy="0"/>
+          <a:chOff x="0" y="0"/>
+          <a:chExt cx="0" cy="0"/>
+        </a:xfrm>
+      </p:grpSpPr>
+      <p:sp>
+        <p:nvSpPr>
+          <p:cNvPr id="22529" name="Slide Image Placeholder 1"/>
+          <p:cNvSpPr>
+            <a:spLocks noGrp="1" noRot="1" noChangeAspect="1"/>
+          </p:cNvSpPr>
+          <p:nvPr>
+            <p:ph type="sldImg"/>
+          </p:nvPr>
+        </p:nvSpPr>
+        <p:spPr/>
+      </p:sp>
+      <p:sp>
+        <p:nvSpPr>
+          <p:cNvPr id="22530" name="Notes Placeholder 2"/>
+          <p:cNvSpPr>
+            <a:spLocks noGrp="1"/>
+          </p:cNvSpPr>
+          <p:nvPr>
+            <p:ph type="body"/>
+          </p:nvPr>
+        </p:nvSpPr>
+        <p:spPr>
+          <a:noFill/>
+          <a:ln>
+            <a:noFill/>
+          </a:ln>
+        </p:spPr>
+        <p:txBody>
+          <a:bodyPr lIns="0" tIns="0" rIns="0" bIns="0" anchor="t"/>
+          <a:lstStyle/>
+          <a:p>
+            <a:pPr indent="-36195"/>
+            <a:endParaRPr lang="en-GB" altLang="zh-CN"/>
+          </a:p>
+        </p:txBody>
+      </p:sp>
+      <p:sp>
+        <p:nvSpPr>
+          <p:cNvPr id="22531" name="Slide Number Placeholder 3"/>
+          <p:cNvSpPr>
+            <a:spLocks noGrp="1"/>
+          </p:cNvSpPr>
+          <p:nvPr>
+            <p:ph type="sldNum" sz="quarter"/>
+          </p:nvPr>
+        </p:nvSpPr>
+        <p:spPr>
+          <a:xfrm>
+            <a:off x="5867400" y="8686800"/>
+            <a:ext cx="609600" cy="227013"/>
+          </a:xfrm>
+          <a:prstGeom prst="rect">
+            <a:avLst/>
+          </a:prstGeom>
+          <a:noFill/>
+          <a:ln w="9525">
+            <a:noFill/>
+          </a:ln>
+        </p:spPr>
+        <p:txBody>
+          <a:bodyPr lIns="0" tIns="0" rIns="0" bIns="0" anchor="ctr"/>
+          <a:lstStyle/>
+          <a:p>
+            <a:fld id="{9A0DB2DC-4C9A-4742-B13C-FB6460FD3503}" type="slidenum">
+              <a:rPr lang="en-GB" altLang="zh-CN" sz="900"/>
+            </a:fld>
+            <a:endParaRPr lang="en-GB" altLang="zh-CN" sz="900"/>
+          </a:p>
+        </p:txBody>
+      </p:sp>
+    </p:spTree>
+  </p:cSld>
+  <p:clrMapOvr>
+    <a:masterClrMapping/>
+  </p:clrMapOvr>
+</p:notes>
+</file>
+
+<file path=ppt/notesSlides/notesSlide5.xml><?xml version="1.0" encoding="utf-8"?>
+<p:notes xmlns:a="http://schemas.openxmlformats.org/drawingml/2006/main" xmlns:r="http://schemas.openxmlformats.org/officeDocument/2006/relationships" xmlns:p="http://schemas.openxmlformats.org/presentationml/2006/main">
+  <p:cSld>
+    <p:spTree>
+      <p:nvGrpSpPr>
+        <p:cNvPr id="1" name=""/>
+        <p:cNvGrpSpPr/>
+        <p:nvPr/>
+      </p:nvGrpSpPr>
+      <p:grpSpPr>
+        <a:xfrm>
+          <a:off x="0" y="0"/>
+          <a:ext cx="0" cy="0"/>
+          <a:chOff x="0" y="0"/>
+          <a:chExt cx="0" cy="0"/>
+        </a:xfrm>
+      </p:grpSpPr>
+      <p:sp>
+        <p:nvSpPr>
+          <p:cNvPr id="22529" name="Slide Image Placeholder 1"/>
+          <p:cNvSpPr>
+            <a:spLocks noGrp="1" noRot="1" noChangeAspect="1"/>
+          </p:cNvSpPr>
+          <p:nvPr>
+            <p:ph type="sldImg"/>
+          </p:nvPr>
+        </p:nvSpPr>
+        <p:spPr/>
+      </p:sp>
+      <p:sp>
+        <p:nvSpPr>
+          <p:cNvPr id="22530" name="Notes Placeholder 2"/>
+          <p:cNvSpPr>
+            <a:spLocks noGrp="1"/>
+          </p:cNvSpPr>
+          <p:nvPr>
+            <p:ph type="body"/>
+          </p:nvPr>
+        </p:nvSpPr>
+        <p:spPr>
+          <a:noFill/>
+          <a:ln>
+            <a:noFill/>
+          </a:ln>
+        </p:spPr>
+        <p:txBody>
+          <a:bodyPr lIns="0" tIns="0" rIns="0" bIns="0" anchor="t"/>
+          <a:lstStyle/>
+          <a:p>
+            <a:pPr indent="-36195"/>
+            <a:endParaRPr lang="en-GB" altLang="zh-CN"/>
+          </a:p>
+        </p:txBody>
+      </p:sp>
+      <p:sp>
+        <p:nvSpPr>
+          <p:cNvPr id="22531" name="Slide Number Placeholder 3"/>
+          <p:cNvSpPr>
+            <a:spLocks noGrp="1"/>
+          </p:cNvSpPr>
+          <p:nvPr>
+            <p:ph type="sldNum" sz="quarter"/>
+          </p:nvPr>
+        </p:nvSpPr>
+        <p:spPr>
+          <a:xfrm>
+            <a:off x="5867400" y="8686800"/>
+            <a:ext cx="609600" cy="227013"/>
+          </a:xfrm>
+          <a:prstGeom prst="rect">
+            <a:avLst/>
+          </a:prstGeom>
+          <a:noFill/>
+          <a:ln w="9525">
+            <a:noFill/>
+          </a:ln>
+        </p:spPr>
+        <p:txBody>
+          <a:bodyPr lIns="0" tIns="0" rIns="0" bIns="0" anchor="ctr"/>
+          <a:lstStyle/>
+          <a:p>
+            <a:fld id="{9A0DB2DC-4C9A-4742-B13C-FB6460FD3503}" type="slidenum">
+              <a:rPr lang="en-GB" altLang="zh-CN" sz="900"/>
+            </a:fld>
+            <a:endParaRPr lang="en-GB" altLang="zh-CN" sz="900"/>
+          </a:p>
+        </p:txBody>
+      </p:sp>
+    </p:spTree>
+  </p:cSld>
+  <p:clrMapOvr>
+    <a:masterClrMapping/>
+  </p:clrMapOvr>
+</p:notes>
+</file>
+
+<file path=ppt/notesSlides/notesSlide6.xml><?xml version="1.0" encoding="utf-8"?>
+<p:notes xmlns:a="http://schemas.openxmlformats.org/drawingml/2006/main" xmlns:r="http://schemas.openxmlformats.org/officeDocument/2006/relationships" xmlns:p="http://schemas.openxmlformats.org/presentationml/2006/main">
+  <p:cSld>
+    <p:spTree>
+      <p:nvGrpSpPr>
+        <p:cNvPr id="1" name=""/>
+        <p:cNvGrpSpPr/>
+        <p:nvPr/>
+      </p:nvGrpSpPr>
+      <p:grpSpPr>
+        <a:xfrm>
+          <a:off x="0" y="0"/>
+          <a:ext cx="0" cy="0"/>
+          <a:chOff x="0" y="0"/>
+          <a:chExt cx="0" cy="0"/>
+        </a:xfrm>
+      </p:grpSpPr>
+      <p:sp>
+        <p:nvSpPr>
+          <p:cNvPr id="22529" name="Slide Image Placeholder 1"/>
+          <p:cNvSpPr>
+            <a:spLocks noGrp="1" noRot="1" noChangeAspect="1"/>
+          </p:cNvSpPr>
+          <p:nvPr>
+            <p:ph type="sldImg"/>
+          </p:nvPr>
+        </p:nvSpPr>
+        <p:spPr/>
+      </p:sp>
+      <p:sp>
+        <p:nvSpPr>
+          <p:cNvPr id="22530" name="Notes Placeholder 2"/>
+          <p:cNvSpPr>
+            <a:spLocks noGrp="1"/>
+          </p:cNvSpPr>
+          <p:nvPr>
+            <p:ph type="body"/>
+          </p:nvPr>
+        </p:nvSpPr>
+        <p:spPr>
+          <a:noFill/>
+          <a:ln>
+            <a:noFill/>
+          </a:ln>
+        </p:spPr>
+        <p:txBody>
+          <a:bodyPr lIns="0" tIns="0" rIns="0" bIns="0" anchor="t"/>
+          <a:lstStyle/>
+          <a:p>
+            <a:pPr indent="-36195"/>
+            <a:endParaRPr lang="en-GB" altLang="zh-CN"/>
+          </a:p>
+        </p:txBody>
+      </p:sp>
+      <p:sp>
+        <p:nvSpPr>
+          <p:cNvPr id="22531" name="Slide Number Placeholder 3"/>
+          <p:cNvSpPr>
+            <a:spLocks noGrp="1"/>
+          </p:cNvSpPr>
+          <p:nvPr>
+            <p:ph type="sldNum" sz="quarter"/>
+          </p:nvPr>
+        </p:nvSpPr>
+        <p:spPr>
+          <a:xfrm>
+            <a:off x="5867400" y="8686800"/>
+            <a:ext cx="609600" cy="227013"/>
+          </a:xfrm>
+          <a:prstGeom prst="rect">
+            <a:avLst/>
+          </a:prstGeom>
+          <a:noFill/>
+          <a:ln w="9525">
+            <a:noFill/>
+          </a:ln>
+        </p:spPr>
+        <p:txBody>
+          <a:bodyPr lIns="0" tIns="0" rIns="0" bIns="0" anchor="ctr"/>
+          <a:lstStyle/>
+          <a:p>
+            <a:fld id="{9A0DB2DC-4C9A-4742-B13C-FB6460FD3503}" type="slidenum">
+              <a:rPr lang="en-GB" altLang="zh-CN" sz="900"/>
+            </a:fld>
+            <a:endParaRPr lang="en-GB" altLang="zh-CN" sz="900"/>
+          </a:p>
+        </p:txBody>
+      </p:sp>
+    </p:spTree>
+  </p:cSld>
+  <p:clrMapOvr>
+    <a:masterClrMapping/>
+  </p:clrMapOvr>
+</p:notes>
+</file>
+
+<file path=ppt/notesSlides/notesSlide7.xml><?xml version="1.0" encoding="utf-8"?>
+<p:notes xmlns:a="http://schemas.openxmlformats.org/drawingml/2006/main" xmlns:r="http://schemas.openxmlformats.org/officeDocument/2006/relationships" xmlns:p="http://schemas.openxmlformats.org/presentationml/2006/main">
+  <p:cSld>
+    <p:spTree>
+      <p:nvGrpSpPr>
+        <p:cNvPr id="1" name=""/>
+        <p:cNvGrpSpPr/>
+        <p:nvPr/>
+      </p:nvGrpSpPr>
+      <p:grpSpPr>
+        <a:xfrm>
+          <a:off x="0" y="0"/>
+          <a:ext cx="0" cy="0"/>
+          <a:chOff x="0" y="0"/>
+          <a:chExt cx="0" cy="0"/>
+        </a:xfrm>
+      </p:grpSpPr>
+      <p:sp>
+        <p:nvSpPr>
+          <p:cNvPr id="22529" name="Slide Image Placeholder 1"/>
+          <p:cNvSpPr>
+            <a:spLocks noGrp="1" noRot="1" noChangeAspect="1"/>
+          </p:cNvSpPr>
+          <p:nvPr>
+            <p:ph type="sldImg"/>
+          </p:nvPr>
+        </p:nvSpPr>
+        <p:spPr/>
+      </p:sp>
+      <p:sp>
+        <p:nvSpPr>
+          <p:cNvPr id="22530" name="Notes Placeholder 2"/>
+          <p:cNvSpPr>
+            <a:spLocks noGrp="1"/>
+          </p:cNvSpPr>
+          <p:nvPr>
+            <p:ph type="body"/>
+          </p:nvPr>
+        </p:nvSpPr>
+        <p:spPr>
+          <a:noFill/>
+          <a:ln>
+            <a:noFill/>
+          </a:ln>
+        </p:spPr>
+        <p:txBody>
+          <a:bodyPr lIns="0" tIns="0" rIns="0" bIns="0" anchor="t"/>
+          <a:lstStyle/>
+          <a:p>
+            <a:pPr indent="-36195"/>
+            <a:endParaRPr lang="en-GB" altLang="zh-CN"/>
+          </a:p>
+        </p:txBody>
+      </p:sp>
+      <p:sp>
+        <p:nvSpPr>
+          <p:cNvPr id="22531" name="Slide Number Placeholder 3"/>
+          <p:cNvSpPr>
+            <a:spLocks noGrp="1"/>
+          </p:cNvSpPr>
+          <p:nvPr>
+            <p:ph type="sldNum" sz="quarter"/>
+          </p:nvPr>
+        </p:nvSpPr>
+        <p:spPr>
+          <a:xfrm>
+            <a:off x="5867400" y="8686800"/>
+            <a:ext cx="609600" cy="227013"/>
+          </a:xfrm>
+          <a:prstGeom prst="rect">
+            <a:avLst/>
+          </a:prstGeom>
+          <a:noFill/>
+          <a:ln w="9525">
+            <a:noFill/>
+          </a:ln>
+        </p:spPr>
+        <p:txBody>
+          <a:bodyPr lIns="0" tIns="0" rIns="0" bIns="0" anchor="ctr"/>
+          <a:lstStyle/>
+          <a:p>
+            <a:fld id="{9A0DB2DC-4C9A-4742-B13C-FB6460FD3503}" type="slidenum">
+              <a:rPr lang="en-GB" altLang="zh-CN" sz="900"/>
+            </a:fld>
+            <a:endParaRPr lang="en-GB" altLang="zh-CN" sz="900"/>
+          </a:p>
+        </p:txBody>
+      </p:sp>
+    </p:spTree>
+  </p:cSld>
+  <p:clrMapOvr>
+    <a:masterClrMapping/>
+  </p:clrMapOvr>
+</p:notes>
+</file>
+
+<file path=ppt/notesSlides/notesSlide8.xml><?xml version="1.0" encoding="utf-8"?>
 <p:notes xmlns:a="http://schemas.openxmlformats.org/drawingml/2006/main" xmlns:r="http://schemas.openxmlformats.org/officeDocument/2006/relationships" xmlns:p="http://schemas.openxmlformats.org/presentationml/2006/main">
   <p:cSld>
     <p:spTree>
@@ -7284,7 +7962,7 @@
       </p:grpSpPr>
       <p:sp>
         <p:nvSpPr>
-          <p:cNvPr id="2" name="Title 1"/>
+          <p:cNvPr id="21505" name="Title 1"/>
           <p:cNvSpPr>
             <a:spLocks noGrp="1"/>
           </p:cNvSpPr>
@@ -7294,41 +7972,223 @@
         </p:nvSpPr>
         <p:spPr>
           <a:xfrm>
-            <a:off x="628650" y="155263"/>
-            <a:ext cx="7886700" cy="526790"/>
+            <a:off x="233363" y="308848"/>
+            <a:ext cx="8227219" cy="327422"/>
           </a:xfrm>
         </p:spPr>
         <p:txBody>
-          <a:bodyPr>
+          <a:bodyPr vert="horz" lIns="0" tIns="0" rIns="0" bIns="0" rtlCol="0" anchor="ctr">
             <a:normAutofit fontScale="90000"/>
           </a:bodyPr>
           <a:lstStyle/>
           <a:p>
             <a:pPr algn="ctr"/>
             <a:r>
-              <a:rPr lang="en-US" sz="3200" b="1" dirty="0">
+              <a:rPr lang="en-US" altLang="en-GB" sz="3200" b="1" dirty="0">
                 <a:latin typeface="Calibri" panose="020F0502020204030204" pitchFamily="34" charset="0"/>
                 <a:cs typeface="Calibri" panose="020F0502020204030204" pitchFamily="34" charset="0"/>
-                <a:sym typeface="+mn-ea"/>
               </a:rPr>
-              <a:t>Backend Roadmap 3</a:t>
-            </a:r>
-            <a:endParaRPr lang="en-US" sz="3200" b="1" dirty="0">
+              <a:t>What is the frontend</a:t>
+            </a:r>
+            <a:endParaRPr lang="en-US" altLang="en-GB" sz="3200" b="1" dirty="0">
               <a:latin typeface="Calibri" panose="020F0502020204030204" pitchFamily="34" charset="0"/>
               <a:cs typeface="Calibri" panose="020F0502020204030204" pitchFamily="34" charset="0"/>
             </a:endParaRPr>
           </a:p>
         </p:txBody>
       </p:sp>
+      <p:sp>
+        <p:nvSpPr>
+          <p:cNvPr id="21506" name="文本框 6"/>
+          <p:cNvSpPr txBox="1"/>
+          <p:nvPr/>
+        </p:nvSpPr>
+        <p:spPr>
+          <a:xfrm>
+            <a:off x="246455" y="859156"/>
+            <a:ext cx="8651359" cy="5486400"/>
+          </a:xfrm>
+          <a:prstGeom prst="rect">
+            <a:avLst/>
+          </a:prstGeom>
+          <a:noFill/>
+          <a:ln w="9525">
+            <a:noFill/>
+          </a:ln>
+        </p:spPr>
+        <p:txBody>
+          <a:bodyPr wrap="square" lIns="0" tIns="0" rIns="0" bIns="0" anchor="t"/>
+          <a:lstStyle/>
+          <a:p>
+            <a:pPr marL="171450" lvl="0" indent="-171450" fontAlgn="auto">
+              <a:lnSpc>
+                <a:spcPct val="200000"/>
+              </a:lnSpc>
+              <a:spcBef>
+                <a:spcPts val="700"/>
+              </a:spcBef>
+              <a:buFont typeface="Arial" panose="020B0604020202020204" pitchFamily="34" charset="0"/>
+              <a:buChar char="•"/>
+            </a:pPr>
+            <a:r>
+              <a:rPr lang="en-US" dirty="0"/>
+              <a:t>Static JS HTML CSS files downloaded in the brower</a:t>
+            </a:r>
+            <a:endParaRPr lang="en-US" dirty="0"/>
+          </a:p>
+          <a:p>
+            <a:pPr marL="171450" lvl="0" indent="-171450" fontAlgn="auto">
+              <a:lnSpc>
+                <a:spcPct val="200000"/>
+              </a:lnSpc>
+              <a:spcBef>
+                <a:spcPts val="700"/>
+              </a:spcBef>
+              <a:buFont typeface="Arial" panose="020B0604020202020204" pitchFamily="34" charset="0"/>
+              <a:buChar char="•"/>
+            </a:pPr>
+            <a:r>
+              <a:rPr lang="en-US" dirty="0"/>
+              <a:t>Firefox demo: </a:t>
+            </a:r>
+            <a:r>
+              <a:rPr lang="en-US" dirty="0">
+                <a:sym typeface="+mn-ea"/>
+              </a:rPr>
+              <a:t>https://www.quora.com/</a:t>
+            </a:r>
+            <a:endParaRPr lang="en-US" dirty="0"/>
+          </a:p>
+          <a:p>
+            <a:pPr marL="171450" lvl="0" indent="-171450" fontAlgn="auto">
+              <a:lnSpc>
+                <a:spcPct val="200000"/>
+              </a:lnSpc>
+              <a:spcBef>
+                <a:spcPts val="700"/>
+              </a:spcBef>
+              <a:buFont typeface="Arial" panose="020B0604020202020204" pitchFamily="34" charset="0"/>
+              <a:buChar char="•"/>
+            </a:pPr>
+            <a:endParaRPr lang="en-US" dirty="0"/>
+          </a:p>
+          <a:p>
+            <a:pPr marL="171450" lvl="0" indent="-171450" fontAlgn="auto">
+              <a:lnSpc>
+                <a:spcPct val="200000"/>
+              </a:lnSpc>
+              <a:spcBef>
+                <a:spcPts val="700"/>
+              </a:spcBef>
+              <a:buFont typeface="Arial" panose="020B0604020202020204" pitchFamily="34" charset="0"/>
+              <a:buChar char="•"/>
+            </a:pPr>
+            <a:endParaRPr lang="en-US" dirty="0"/>
+          </a:p>
+        </p:txBody>
+      </p:sp>
+      <p:sp>
+        <p:nvSpPr>
+          <p:cNvPr id="6" name="TextBox 6"/>
+          <p:cNvSpPr txBox="1"/>
+          <p:nvPr/>
+        </p:nvSpPr>
+        <p:spPr>
+          <a:xfrm>
+            <a:off x="25183" y="6636420"/>
+            <a:ext cx="3270445" cy="184664"/>
+          </a:xfrm>
+          <a:prstGeom prst="rect">
+            <a:avLst/>
+          </a:prstGeom>
+          <a:ln w="12700">
+            <a:miter lim="400000"/>
+          </a:ln>
+        </p:spPr>
+        <p:txBody>
+          <a:bodyPr wrap="none" lIns="34289" tIns="34289" rIns="34289" bIns="34289">
+            <a:spAutoFit/>
+          </a:bodyPr>
+          <a:lstStyle>
+            <a:lvl1pPr defTabSz="914400">
+              <a:defRPr sz="1000">
+                <a:solidFill>
+                  <a:srgbClr val="FFFFFF"/>
+                </a:solidFill>
+                <a:latin typeface="Montserrat"/>
+                <a:ea typeface="Montserrat"/>
+                <a:cs typeface="Montserrat"/>
+                <a:sym typeface="Montserrat"/>
+              </a:defRPr>
+            </a:lvl1pPr>
+          </a:lstStyle>
+          <a:p>
+            <a:r>
+              <a:rPr lang="en-US" sz="750" dirty="0">
+                <a:solidFill>
+                  <a:schemeClr val="tx1"/>
+                </a:solidFill>
+                <a:latin typeface="Montserrat" panose="00000500000000000000" pitchFamily="2" charset="0"/>
+              </a:rPr>
+              <a:t>© 2017-2020    SmartMesh Foundation Pte. Ltd.  |  MeshBox Foundation Pte. Ltd.</a:t>
+            </a:r>
+            <a:endParaRPr lang="en-US" sz="750" dirty="0">
+              <a:solidFill>
+                <a:schemeClr val="tx1"/>
+              </a:solidFill>
+              <a:latin typeface="Montserrat" panose="00000500000000000000" pitchFamily="2" charset="0"/>
+              <a:sym typeface="Arial" panose="020B0604020202020204"/>
+            </a:endParaRPr>
+          </a:p>
+        </p:txBody>
+      </p:sp>
+      <p:sp>
+        <p:nvSpPr>
+          <p:cNvPr id="7" name="TextBox 6"/>
+          <p:cNvSpPr txBox="1">
+            <a:spLocks noChangeArrowheads="1"/>
+          </p:cNvSpPr>
+          <p:nvPr/>
+        </p:nvSpPr>
+        <p:spPr bwMode="auto">
+          <a:xfrm>
+            <a:off x="7872314" y="6569155"/>
+            <a:ext cx="1289447" cy="253916"/>
+          </a:xfrm>
+          <a:prstGeom prst="rect">
+            <a:avLst/>
+          </a:prstGeom>
+          <a:noFill/>
+          <a:ln w="9525">
+            <a:noFill/>
+            <a:miter lim="800000"/>
+          </a:ln>
+        </p:spPr>
+        <p:txBody>
+          <a:bodyPr>
+            <a:spAutoFit/>
+          </a:bodyPr>
+          <a:lstStyle/>
+          <a:p>
+            <a:pPr algn="r"/>
+            <a:fld id="{6F888031-CE6A-4173-BB2B-520974F34056}" type="slidenum">
+              <a:rPr lang="en-GB" sz="1050">
+                <a:latin typeface="Calibri" panose="020F0502020204030204" pitchFamily="34" charset="0"/>
+              </a:rPr>
+            </a:fld>
+            <a:endParaRPr lang="en-GB" sz="1050" dirty="0">
+              <a:latin typeface="Calibri" panose="020F0502020204030204" pitchFamily="34" charset="0"/>
+            </a:endParaRPr>
+          </a:p>
+        </p:txBody>
+      </p:sp>
       <p:pic>
         <p:nvPicPr>
-          <p:cNvPr id="5" name="内容占位符 4"/>
+          <p:cNvPr id="2" name="图片 1"/>
           <p:cNvPicPr>
             <a:picLocks noChangeAspect="1"/>
           </p:cNvPicPr>
-          <p:nvPr>
-            <p:ph idx="1"/>
-          </p:nvPr>
+          <p:nvPr/>
         </p:nvPicPr>
         <p:blipFill>
           <a:blip r:embed="rId1"/>
@@ -7338,8 +8198,8 @@
         </p:blipFill>
         <p:spPr>
           <a:xfrm>
-            <a:off x="492760" y="777875"/>
-            <a:ext cx="8159115" cy="6080125"/>
+            <a:off x="1901190" y="2926080"/>
+            <a:ext cx="4371975" cy="3419475"/>
           </a:xfrm>
           <a:prstGeom prst="rect">
             <a:avLst/>
@@ -7351,6 +8211,9 @@
   <p:clrMapOvr>
     <a:masterClrMapping/>
   </p:clrMapOvr>
+  <p:transition spd="med">
+    <p:fade/>
+  </p:transition>
 </p:sld>
 </file>
 
@@ -7400,7 +8263,7 @@
                 <a:cs typeface="Calibri" panose="020F0502020204030204" pitchFamily="34" charset="0"/>
                 <a:sym typeface="+mn-ea"/>
               </a:rPr>
-              <a:t>Backend Roadmap 4</a:t>
+              <a:t>Frontend Roadmap 5</a:t>
             </a:r>
             <a:endParaRPr lang="en-US" sz="3200" b="1" dirty="0">
               <a:latin typeface="Calibri" panose="020F0502020204030204" pitchFamily="34" charset="0"/>
@@ -7427,8 +8290,8 @@
         </p:blipFill>
         <p:spPr>
           <a:xfrm>
-            <a:off x="314325" y="847090"/>
-            <a:ext cx="8515985" cy="6010910"/>
+            <a:off x="314325" y="682625"/>
+            <a:ext cx="8515985" cy="5935345"/>
           </a:xfrm>
           <a:prstGeom prst="rect">
             <a:avLst/>
@@ -7489,7 +8352,7 @@
                 <a:cs typeface="Calibri" panose="020F0502020204030204" pitchFamily="34" charset="0"/>
                 <a:sym typeface="+mn-ea"/>
               </a:rPr>
-              <a:t>Devops Roadmap 1</a:t>
+              <a:t>Backend Roadmap 1</a:t>
             </a:r>
             <a:endParaRPr lang="en-US" sz="3200" b="1" dirty="0">
               <a:latin typeface="Calibri" panose="020F0502020204030204" pitchFamily="34" charset="0"/>
@@ -7516,8 +8379,8 @@
         </p:blipFill>
         <p:spPr>
           <a:xfrm>
-            <a:off x="699770" y="682625"/>
-            <a:ext cx="7744460" cy="6175375"/>
+            <a:off x="546735" y="682625"/>
+            <a:ext cx="8050530" cy="6082665"/>
           </a:xfrm>
           <a:prstGeom prst="rect">
             <a:avLst/>
@@ -7578,7 +8441,7 @@
                 <a:cs typeface="Calibri" panose="020F0502020204030204" pitchFamily="34" charset="0"/>
                 <a:sym typeface="+mn-ea"/>
               </a:rPr>
-              <a:t>Devops Roadmap 2</a:t>
+              <a:t>Backend Roadmap 2</a:t>
             </a:r>
             <a:endParaRPr lang="en-US" sz="3200" b="1" dirty="0">
               <a:latin typeface="Calibri" panose="020F0502020204030204" pitchFamily="34" charset="0"/>
@@ -7605,8 +8468,8 @@
         </p:blipFill>
         <p:spPr>
           <a:xfrm>
-            <a:off x="295275" y="682625"/>
-            <a:ext cx="8552815" cy="5715635"/>
+            <a:off x="585470" y="752475"/>
+            <a:ext cx="7973695" cy="6105525"/>
           </a:xfrm>
           <a:prstGeom prst="rect">
             <a:avLst/>
@@ -7640,7 +8503,7 @@
       </p:grpSpPr>
       <p:sp>
         <p:nvSpPr>
-          <p:cNvPr id="2" name="Title 1"/>
+          <p:cNvPr id="21505" name="Title 1"/>
           <p:cNvSpPr>
             <a:spLocks noGrp="1"/>
           </p:cNvSpPr>
@@ -7650,41 +8513,223 @@
         </p:nvSpPr>
         <p:spPr>
           <a:xfrm>
-            <a:off x="628650" y="155263"/>
-            <a:ext cx="7886700" cy="526790"/>
+            <a:off x="233363" y="308848"/>
+            <a:ext cx="8227219" cy="327422"/>
           </a:xfrm>
         </p:spPr>
         <p:txBody>
-          <a:bodyPr>
+          <a:bodyPr vert="horz" lIns="0" tIns="0" rIns="0" bIns="0" rtlCol="0" anchor="ctr">
             <a:normAutofit fontScale="90000"/>
           </a:bodyPr>
           <a:lstStyle/>
           <a:p>
             <a:pPr algn="ctr"/>
             <a:r>
-              <a:rPr lang="en-US" sz="3200" b="1" dirty="0">
+              <a:rPr lang="en-US" altLang="en-GB" sz="3200" b="1" dirty="0">
                 <a:latin typeface="Calibri" panose="020F0502020204030204" pitchFamily="34" charset="0"/>
                 <a:cs typeface="Calibri" panose="020F0502020204030204" pitchFamily="34" charset="0"/>
-                <a:sym typeface="+mn-ea"/>
               </a:rPr>
-              <a:t>Devops Roadmap 3</a:t>
-            </a:r>
-            <a:endParaRPr lang="en-US" sz="3200" b="1" dirty="0">
+              <a:t>RestAPI</a:t>
+            </a:r>
+            <a:endParaRPr lang="en-US" altLang="en-GB" sz="3200" b="1" dirty="0">
               <a:latin typeface="Calibri" panose="020F0502020204030204" pitchFamily="34" charset="0"/>
               <a:cs typeface="Calibri" panose="020F0502020204030204" pitchFamily="34" charset="0"/>
             </a:endParaRPr>
           </a:p>
         </p:txBody>
       </p:sp>
+      <p:sp>
+        <p:nvSpPr>
+          <p:cNvPr id="21506" name="文本框 6"/>
+          <p:cNvSpPr txBox="1"/>
+          <p:nvPr/>
+        </p:nvSpPr>
+        <p:spPr>
+          <a:xfrm>
+            <a:off x="246455" y="859156"/>
+            <a:ext cx="8651359" cy="5486400"/>
+          </a:xfrm>
+          <a:prstGeom prst="rect">
+            <a:avLst/>
+          </a:prstGeom>
+          <a:noFill/>
+          <a:ln w="9525">
+            <a:noFill/>
+          </a:ln>
+        </p:spPr>
+        <p:txBody>
+          <a:bodyPr wrap="square" lIns="0" tIns="0" rIns="0" bIns="0" anchor="t"/>
+          <a:lstStyle/>
+          <a:p>
+            <a:pPr marL="171450" lvl="0" indent="-171450" fontAlgn="auto">
+              <a:lnSpc>
+                <a:spcPct val="200000"/>
+              </a:lnSpc>
+              <a:spcBef>
+                <a:spcPts val="700"/>
+              </a:spcBef>
+              <a:buFont typeface="Arial" panose="020B0604020202020204" pitchFamily="34" charset="0"/>
+              <a:buChar char="•"/>
+            </a:pPr>
+            <a:r>
+              <a:rPr lang="en-US" dirty="0">
+                <a:sym typeface="+mn-ea"/>
+              </a:rPr>
+              <a:t>https://www.skadden.com/professionals?skip=0&amp;letter=A&amp;hassearched=true</a:t>
+            </a:r>
+            <a:endParaRPr lang="en-US" dirty="0"/>
+          </a:p>
+          <a:p>
+            <a:pPr marL="171450" lvl="0" indent="-171450" fontAlgn="auto">
+              <a:lnSpc>
+                <a:spcPct val="200000"/>
+              </a:lnSpc>
+              <a:spcBef>
+                <a:spcPts val="700"/>
+              </a:spcBef>
+              <a:buFont typeface="Arial" panose="020B0604020202020204" pitchFamily="34" charset="0"/>
+              <a:buChar char="•"/>
+            </a:pPr>
+            <a:r>
+              <a:rPr lang="en-US" dirty="0"/>
+              <a:t>change A to B</a:t>
+            </a:r>
+            <a:endParaRPr lang="en-US" dirty="0"/>
+          </a:p>
+          <a:p>
+            <a:pPr marL="171450" lvl="0" indent="-171450" fontAlgn="auto">
+              <a:lnSpc>
+                <a:spcPct val="200000"/>
+              </a:lnSpc>
+              <a:spcBef>
+                <a:spcPts val="700"/>
+              </a:spcBef>
+              <a:buFont typeface="Arial" panose="020B0604020202020204" pitchFamily="34" charset="0"/>
+              <a:buChar char="•"/>
+            </a:pPr>
+            <a:r>
+              <a:rPr lang="en-US" dirty="0"/>
+              <a:t>name -&gt; id -&gt; books</a:t>
+            </a:r>
+            <a:endParaRPr lang="en-US" dirty="0"/>
+          </a:p>
+          <a:p>
+            <a:pPr marL="171450" lvl="0" indent="-171450" fontAlgn="auto">
+              <a:lnSpc>
+                <a:spcPct val="200000"/>
+              </a:lnSpc>
+              <a:spcBef>
+                <a:spcPts val="700"/>
+              </a:spcBef>
+              <a:buFont typeface="Arial" panose="020B0604020202020204" pitchFamily="34" charset="0"/>
+              <a:buChar char="•"/>
+            </a:pPr>
+            <a:endParaRPr lang="en-US" dirty="0"/>
+          </a:p>
+        </p:txBody>
+      </p:sp>
+      <p:sp>
+        <p:nvSpPr>
+          <p:cNvPr id="6" name="TextBox 6"/>
+          <p:cNvSpPr txBox="1"/>
+          <p:nvPr/>
+        </p:nvSpPr>
+        <p:spPr>
+          <a:xfrm>
+            <a:off x="25183" y="6636420"/>
+            <a:ext cx="3270445" cy="184664"/>
+          </a:xfrm>
+          <a:prstGeom prst="rect">
+            <a:avLst/>
+          </a:prstGeom>
+          <a:ln w="12700">
+            <a:miter lim="400000"/>
+          </a:ln>
+        </p:spPr>
+        <p:txBody>
+          <a:bodyPr wrap="none" lIns="34289" tIns="34289" rIns="34289" bIns="34289">
+            <a:spAutoFit/>
+          </a:bodyPr>
+          <a:lstStyle>
+            <a:lvl1pPr defTabSz="914400">
+              <a:defRPr sz="1000">
+                <a:solidFill>
+                  <a:srgbClr val="FFFFFF"/>
+                </a:solidFill>
+                <a:latin typeface="Montserrat"/>
+                <a:ea typeface="Montserrat"/>
+                <a:cs typeface="Montserrat"/>
+                <a:sym typeface="Montserrat"/>
+              </a:defRPr>
+            </a:lvl1pPr>
+          </a:lstStyle>
+          <a:p>
+            <a:r>
+              <a:rPr lang="en-US" sz="750" dirty="0">
+                <a:solidFill>
+                  <a:schemeClr val="tx1"/>
+                </a:solidFill>
+                <a:latin typeface="Montserrat" panose="00000500000000000000" pitchFamily="2" charset="0"/>
+              </a:rPr>
+              <a:t>© 2017-2020    SmartMesh Foundation Pte. Ltd.  |  MeshBox Foundation Pte. Ltd.</a:t>
+            </a:r>
+            <a:endParaRPr lang="en-US" sz="750" dirty="0">
+              <a:solidFill>
+                <a:schemeClr val="tx1"/>
+              </a:solidFill>
+              <a:latin typeface="Montserrat" panose="00000500000000000000" pitchFamily="2" charset="0"/>
+              <a:sym typeface="Arial" panose="020B0604020202020204"/>
+            </a:endParaRPr>
+          </a:p>
+        </p:txBody>
+      </p:sp>
+      <p:sp>
+        <p:nvSpPr>
+          <p:cNvPr id="7" name="TextBox 6"/>
+          <p:cNvSpPr txBox="1">
+            <a:spLocks noChangeArrowheads="1"/>
+          </p:cNvSpPr>
+          <p:nvPr/>
+        </p:nvSpPr>
+        <p:spPr bwMode="auto">
+          <a:xfrm>
+            <a:off x="7872314" y="6569155"/>
+            <a:ext cx="1289447" cy="253916"/>
+          </a:xfrm>
+          <a:prstGeom prst="rect">
+            <a:avLst/>
+          </a:prstGeom>
+          <a:noFill/>
+          <a:ln w="9525">
+            <a:noFill/>
+            <a:miter lim="800000"/>
+          </a:ln>
+        </p:spPr>
+        <p:txBody>
+          <a:bodyPr>
+            <a:spAutoFit/>
+          </a:bodyPr>
+          <a:lstStyle/>
+          <a:p>
+            <a:pPr algn="r"/>
+            <a:fld id="{6F888031-CE6A-4173-BB2B-520974F34056}" type="slidenum">
+              <a:rPr lang="en-GB" sz="1050">
+                <a:latin typeface="Calibri" panose="020F0502020204030204" pitchFamily="34" charset="0"/>
+              </a:rPr>
+            </a:fld>
+            <a:endParaRPr lang="en-GB" sz="1050" dirty="0">
+              <a:latin typeface="Calibri" panose="020F0502020204030204" pitchFamily="34" charset="0"/>
+            </a:endParaRPr>
+          </a:p>
+        </p:txBody>
+      </p:sp>
       <p:pic>
         <p:nvPicPr>
-          <p:cNvPr id="4" name="内容占位符 3"/>
+          <p:cNvPr id="3" name="图片 2"/>
           <p:cNvPicPr>
             <a:picLocks noChangeAspect="1"/>
           </p:cNvPicPr>
-          <p:nvPr>
-            <p:ph idx="1"/>
-          </p:nvPr>
+          <p:nvPr/>
         </p:nvPicPr>
         <p:blipFill>
           <a:blip r:embed="rId1"/>
@@ -7694,8 +8739,8 @@
         </p:blipFill>
         <p:spPr>
           <a:xfrm>
-            <a:off x="295275" y="682625"/>
-            <a:ext cx="8552815" cy="5715635"/>
+            <a:off x="681355" y="3087370"/>
+            <a:ext cx="7781925" cy="3733800"/>
           </a:xfrm>
           <a:prstGeom prst="rect">
             <a:avLst/>
@@ -7707,6 +8752,9 @@
   <p:clrMapOvr>
     <a:masterClrMapping/>
   </p:clrMapOvr>
+  <p:transition spd="med">
+    <p:fade/>
+  </p:transition>
 </p:sld>
 </file>
 
@@ -7756,7 +8804,7 @@
                 <a:cs typeface="Calibri" panose="020F0502020204030204" pitchFamily="34" charset="0"/>
                 <a:sym typeface="+mn-ea"/>
               </a:rPr>
-              <a:t>Devops Roadmap 4</a:t>
+              <a:t>Backend Roadmap 3</a:t>
             </a:r>
             <a:endParaRPr lang="en-US" sz="3200" b="1" dirty="0">
               <a:latin typeface="Calibri" panose="020F0502020204030204" pitchFamily="34" charset="0"/>
@@ -7783,8 +8831,8 @@
         </p:blipFill>
         <p:spPr>
           <a:xfrm>
-            <a:off x="490855" y="808990"/>
-            <a:ext cx="8162290" cy="6049010"/>
+            <a:off x="492760" y="777875"/>
+            <a:ext cx="8159115" cy="6080125"/>
           </a:xfrm>
           <a:prstGeom prst="rect">
             <a:avLst/>
@@ -7796,6 +8844,679 @@
   <p:clrMapOvr>
     <a:masterClrMapping/>
   </p:clrMapOvr>
+</p:sld>
+</file>
+
+<file path=ppt/slides/slide16.xml><?xml version="1.0" encoding="utf-8"?>
+<p:sld xmlns:a="http://schemas.openxmlformats.org/drawingml/2006/main" xmlns:r="http://schemas.openxmlformats.org/officeDocument/2006/relationships" xmlns:p="http://schemas.openxmlformats.org/presentationml/2006/main">
+  <p:cSld>
+    <p:spTree>
+      <p:nvGrpSpPr>
+        <p:cNvPr id="1" name=""/>
+        <p:cNvGrpSpPr/>
+        <p:nvPr/>
+      </p:nvGrpSpPr>
+      <p:grpSpPr>
+        <a:xfrm>
+          <a:off x="0" y="0"/>
+          <a:ext cx="0" cy="0"/>
+          <a:chOff x="0" y="0"/>
+          <a:chExt cx="0" cy="0"/>
+        </a:xfrm>
+      </p:grpSpPr>
+      <p:sp>
+        <p:nvSpPr>
+          <p:cNvPr id="21505" name="Title 1"/>
+          <p:cNvSpPr>
+            <a:spLocks noGrp="1"/>
+          </p:cNvSpPr>
+          <p:nvPr>
+            <p:ph type="title"/>
+          </p:nvPr>
+        </p:nvSpPr>
+        <p:spPr>
+          <a:xfrm>
+            <a:off x="233363" y="308848"/>
+            <a:ext cx="8227219" cy="327422"/>
+          </a:xfrm>
+        </p:spPr>
+        <p:txBody>
+          <a:bodyPr vert="horz" lIns="0" tIns="0" rIns="0" bIns="0" rtlCol="0" anchor="ctr">
+            <a:normAutofit fontScale="90000"/>
+          </a:bodyPr>
+          <a:lstStyle/>
+          <a:p>
+            <a:pPr algn="ctr"/>
+            <a:r>
+              <a:rPr lang="en-US" altLang="en-GB" sz="3200" b="1" dirty="0">
+                <a:latin typeface="Calibri" panose="020F0502020204030204" pitchFamily="34" charset="0"/>
+                <a:cs typeface="Calibri" panose="020F0502020204030204" pitchFamily="34" charset="0"/>
+              </a:rPr>
+              <a:t>GraphQL</a:t>
+            </a:r>
+            <a:endParaRPr lang="en-US" altLang="en-GB" sz="3200" b="1" dirty="0">
+              <a:latin typeface="Calibri" panose="020F0502020204030204" pitchFamily="34" charset="0"/>
+              <a:cs typeface="Calibri" panose="020F0502020204030204" pitchFamily="34" charset="0"/>
+            </a:endParaRPr>
+          </a:p>
+        </p:txBody>
+      </p:sp>
+      <p:sp>
+        <p:nvSpPr>
+          <p:cNvPr id="21506" name="文本框 6"/>
+          <p:cNvSpPr txBox="1"/>
+          <p:nvPr/>
+        </p:nvSpPr>
+        <p:spPr>
+          <a:xfrm>
+            <a:off x="246455" y="859156"/>
+            <a:ext cx="8651359" cy="5486400"/>
+          </a:xfrm>
+          <a:prstGeom prst="rect">
+            <a:avLst/>
+          </a:prstGeom>
+          <a:noFill/>
+          <a:ln w="9525">
+            <a:noFill/>
+          </a:ln>
+        </p:spPr>
+        <p:txBody>
+          <a:bodyPr wrap="square" lIns="0" tIns="0" rIns="0" bIns="0" anchor="t"/>
+          <a:lstStyle/>
+          <a:p>
+            <a:pPr marL="171450" lvl="0" indent="-171450" fontAlgn="auto">
+              <a:lnSpc>
+                <a:spcPct val="200000"/>
+              </a:lnSpc>
+              <a:spcBef>
+                <a:spcPts val="700"/>
+              </a:spcBef>
+              <a:buFont typeface="Arial" panose="020B0604020202020204" pitchFamily="34" charset="0"/>
+              <a:buChar char="•"/>
+            </a:pPr>
+            <a:r>
+              <a:rPr lang="en-US" dirty="0">
+                <a:sym typeface="+mn-ea"/>
+              </a:rPr>
+              <a:t>https://www.skadden.com/professionals?skip=0&amp;letter=A&amp;hassearched=true</a:t>
+            </a:r>
+            <a:endParaRPr lang="en-US" dirty="0"/>
+          </a:p>
+          <a:p>
+            <a:pPr marL="171450" lvl="0" indent="-171450" fontAlgn="auto">
+              <a:lnSpc>
+                <a:spcPct val="200000"/>
+              </a:lnSpc>
+              <a:spcBef>
+                <a:spcPts val="700"/>
+              </a:spcBef>
+              <a:buFont typeface="Arial" panose="020B0604020202020204" pitchFamily="34" charset="0"/>
+              <a:buChar char="•"/>
+            </a:pPr>
+            <a:r>
+              <a:rPr lang="en-US" dirty="0"/>
+              <a:t>change A to B</a:t>
+            </a:r>
+            <a:endParaRPr lang="en-US" dirty="0"/>
+          </a:p>
+          <a:p>
+            <a:pPr marL="171450" lvl="0" indent="-171450" fontAlgn="auto">
+              <a:lnSpc>
+                <a:spcPct val="200000"/>
+              </a:lnSpc>
+              <a:spcBef>
+                <a:spcPts val="700"/>
+              </a:spcBef>
+              <a:buFont typeface="Arial" panose="020B0604020202020204" pitchFamily="34" charset="0"/>
+              <a:buChar char="•"/>
+            </a:pPr>
+            <a:r>
+              <a:rPr lang="en-US" dirty="0"/>
+              <a:t>name -&gt; id -&gt; books</a:t>
+            </a:r>
+            <a:endParaRPr lang="en-US" dirty="0"/>
+          </a:p>
+          <a:p>
+            <a:pPr marL="171450" lvl="0" indent="-171450" fontAlgn="auto">
+              <a:lnSpc>
+                <a:spcPct val="200000"/>
+              </a:lnSpc>
+              <a:spcBef>
+                <a:spcPts val="700"/>
+              </a:spcBef>
+              <a:buFont typeface="Arial" panose="020B0604020202020204" pitchFamily="34" charset="0"/>
+              <a:buChar char="•"/>
+            </a:pPr>
+            <a:endParaRPr lang="en-US" dirty="0"/>
+          </a:p>
+        </p:txBody>
+      </p:sp>
+      <p:sp>
+        <p:nvSpPr>
+          <p:cNvPr id="6" name="TextBox 6"/>
+          <p:cNvSpPr txBox="1"/>
+          <p:nvPr/>
+        </p:nvSpPr>
+        <p:spPr>
+          <a:xfrm>
+            <a:off x="25183" y="6636420"/>
+            <a:ext cx="3270445" cy="184664"/>
+          </a:xfrm>
+          <a:prstGeom prst="rect">
+            <a:avLst/>
+          </a:prstGeom>
+          <a:ln w="12700">
+            <a:miter lim="400000"/>
+          </a:ln>
+        </p:spPr>
+        <p:txBody>
+          <a:bodyPr wrap="none" lIns="34289" tIns="34289" rIns="34289" bIns="34289">
+            <a:spAutoFit/>
+          </a:bodyPr>
+          <a:lstStyle>
+            <a:lvl1pPr defTabSz="914400">
+              <a:defRPr sz="1000">
+                <a:solidFill>
+                  <a:srgbClr val="FFFFFF"/>
+                </a:solidFill>
+                <a:latin typeface="Montserrat"/>
+                <a:ea typeface="Montserrat"/>
+                <a:cs typeface="Montserrat"/>
+                <a:sym typeface="Montserrat"/>
+              </a:defRPr>
+            </a:lvl1pPr>
+          </a:lstStyle>
+          <a:p>
+            <a:r>
+              <a:rPr lang="en-US" sz="750" dirty="0">
+                <a:solidFill>
+                  <a:schemeClr val="tx1"/>
+                </a:solidFill>
+                <a:latin typeface="Montserrat" panose="00000500000000000000" pitchFamily="2" charset="0"/>
+              </a:rPr>
+              <a:t>© 2017-2020    SmartMesh Foundation Pte. Ltd.  |  MeshBox Foundation Pte. Ltd.</a:t>
+            </a:r>
+            <a:endParaRPr lang="en-US" sz="750" dirty="0">
+              <a:solidFill>
+                <a:schemeClr val="tx1"/>
+              </a:solidFill>
+              <a:latin typeface="Montserrat" panose="00000500000000000000" pitchFamily="2" charset="0"/>
+              <a:sym typeface="Arial" panose="020B0604020202020204"/>
+            </a:endParaRPr>
+          </a:p>
+        </p:txBody>
+      </p:sp>
+      <p:sp>
+        <p:nvSpPr>
+          <p:cNvPr id="7" name="TextBox 6"/>
+          <p:cNvSpPr txBox="1">
+            <a:spLocks noChangeArrowheads="1"/>
+          </p:cNvSpPr>
+          <p:nvPr/>
+        </p:nvSpPr>
+        <p:spPr bwMode="auto">
+          <a:xfrm>
+            <a:off x="7872314" y="6569155"/>
+            <a:ext cx="1289447" cy="253916"/>
+          </a:xfrm>
+          <a:prstGeom prst="rect">
+            <a:avLst/>
+          </a:prstGeom>
+          <a:noFill/>
+          <a:ln w="9525">
+            <a:noFill/>
+            <a:miter lim="800000"/>
+          </a:ln>
+        </p:spPr>
+        <p:txBody>
+          <a:bodyPr>
+            <a:spAutoFit/>
+          </a:bodyPr>
+          <a:lstStyle/>
+          <a:p>
+            <a:pPr algn="r"/>
+            <a:fld id="{6F888031-CE6A-4173-BB2B-520974F34056}" type="slidenum">
+              <a:rPr lang="en-GB" sz="1050">
+                <a:latin typeface="Calibri" panose="020F0502020204030204" pitchFamily="34" charset="0"/>
+              </a:rPr>
+            </a:fld>
+            <a:endParaRPr lang="en-GB" sz="1050" dirty="0">
+              <a:latin typeface="Calibri" panose="020F0502020204030204" pitchFamily="34" charset="0"/>
+            </a:endParaRPr>
+          </a:p>
+        </p:txBody>
+      </p:sp>
+      <p:pic>
+        <p:nvPicPr>
+          <p:cNvPr id="4" name="图片 3"/>
+          <p:cNvPicPr>
+            <a:picLocks noChangeAspect="1"/>
+          </p:cNvPicPr>
+          <p:nvPr/>
+        </p:nvPicPr>
+        <p:blipFill>
+          <a:blip r:embed="rId1"/>
+          <a:stretch>
+            <a:fillRect/>
+          </a:stretch>
+        </p:blipFill>
+        <p:spPr>
+          <a:xfrm>
+            <a:off x="1171575" y="2735580"/>
+            <a:ext cx="6800850" cy="3609975"/>
+          </a:xfrm>
+          <a:prstGeom prst="rect">
+            <a:avLst/>
+          </a:prstGeom>
+        </p:spPr>
+      </p:pic>
+    </p:spTree>
+  </p:cSld>
+  <p:clrMapOvr>
+    <a:masterClrMapping/>
+  </p:clrMapOvr>
+  <p:transition spd="med">
+    <p:fade/>
+  </p:transition>
+</p:sld>
+</file>
+
+<file path=ppt/slides/slide17.xml><?xml version="1.0" encoding="utf-8"?>
+<p:sld xmlns:a="http://schemas.openxmlformats.org/drawingml/2006/main" xmlns:r="http://schemas.openxmlformats.org/officeDocument/2006/relationships" xmlns:p="http://schemas.openxmlformats.org/presentationml/2006/main">
+  <p:cSld>
+    <p:spTree>
+      <p:nvGrpSpPr>
+        <p:cNvPr id="1" name=""/>
+        <p:cNvGrpSpPr/>
+        <p:nvPr/>
+      </p:nvGrpSpPr>
+      <p:grpSpPr>
+        <a:xfrm>
+          <a:off x="0" y="0"/>
+          <a:ext cx="0" cy="0"/>
+          <a:chOff x="0" y="0"/>
+          <a:chExt cx="0" cy="0"/>
+        </a:xfrm>
+      </p:grpSpPr>
+      <p:sp>
+        <p:nvSpPr>
+          <p:cNvPr id="2" name="Title 1"/>
+          <p:cNvSpPr>
+            <a:spLocks noGrp="1"/>
+          </p:cNvSpPr>
+          <p:nvPr>
+            <p:ph type="title"/>
+          </p:nvPr>
+        </p:nvSpPr>
+        <p:spPr>
+          <a:xfrm>
+            <a:off x="628650" y="155263"/>
+            <a:ext cx="7886700" cy="526790"/>
+          </a:xfrm>
+        </p:spPr>
+        <p:txBody>
+          <a:bodyPr>
+            <a:normAutofit fontScale="90000"/>
+          </a:bodyPr>
+          <a:lstStyle/>
+          <a:p>
+            <a:pPr algn="ctr"/>
+            <a:r>
+              <a:rPr lang="en-US" sz="3200" b="1" dirty="0">
+                <a:latin typeface="Calibri" panose="020F0502020204030204" pitchFamily="34" charset="0"/>
+                <a:cs typeface="Calibri" panose="020F0502020204030204" pitchFamily="34" charset="0"/>
+                <a:sym typeface="+mn-ea"/>
+              </a:rPr>
+              <a:t>Backend Roadmap 4</a:t>
+            </a:r>
+            <a:endParaRPr lang="en-US" sz="3200" b="1" dirty="0">
+              <a:latin typeface="Calibri" panose="020F0502020204030204" pitchFamily="34" charset="0"/>
+              <a:cs typeface="Calibri" panose="020F0502020204030204" pitchFamily="34" charset="0"/>
+            </a:endParaRPr>
+          </a:p>
+        </p:txBody>
+      </p:sp>
+      <p:pic>
+        <p:nvPicPr>
+          <p:cNvPr id="4" name="内容占位符 3"/>
+          <p:cNvPicPr>
+            <a:picLocks noChangeAspect="1"/>
+          </p:cNvPicPr>
+          <p:nvPr>
+            <p:ph idx="1"/>
+          </p:nvPr>
+        </p:nvPicPr>
+        <p:blipFill>
+          <a:blip r:embed="rId1"/>
+          <a:stretch>
+            <a:fillRect/>
+          </a:stretch>
+        </p:blipFill>
+        <p:spPr>
+          <a:xfrm>
+            <a:off x="314325" y="847090"/>
+            <a:ext cx="8515985" cy="6010910"/>
+          </a:xfrm>
+          <a:prstGeom prst="rect">
+            <a:avLst/>
+          </a:prstGeom>
+        </p:spPr>
+      </p:pic>
+    </p:spTree>
+  </p:cSld>
+  <p:clrMapOvr>
+    <a:masterClrMapping/>
+  </p:clrMapOvr>
+</p:sld>
+</file>
+
+<file path=ppt/slides/slide18.xml><?xml version="1.0" encoding="utf-8"?>
+<p:sld xmlns:a="http://schemas.openxmlformats.org/drawingml/2006/main" xmlns:r="http://schemas.openxmlformats.org/officeDocument/2006/relationships" xmlns:p="http://schemas.openxmlformats.org/presentationml/2006/main">
+  <p:cSld>
+    <p:spTree>
+      <p:nvGrpSpPr>
+        <p:cNvPr id="1" name=""/>
+        <p:cNvGrpSpPr/>
+        <p:nvPr/>
+      </p:nvGrpSpPr>
+      <p:grpSpPr>
+        <a:xfrm>
+          <a:off x="0" y="0"/>
+          <a:ext cx="0" cy="0"/>
+          <a:chOff x="0" y="0"/>
+          <a:chExt cx="0" cy="0"/>
+        </a:xfrm>
+      </p:grpSpPr>
+      <p:sp>
+        <p:nvSpPr>
+          <p:cNvPr id="2" name="Title 1"/>
+          <p:cNvSpPr>
+            <a:spLocks noGrp="1"/>
+          </p:cNvSpPr>
+          <p:nvPr>
+            <p:ph type="title"/>
+          </p:nvPr>
+        </p:nvSpPr>
+        <p:spPr>
+          <a:xfrm>
+            <a:off x="628650" y="155263"/>
+            <a:ext cx="7886700" cy="526790"/>
+          </a:xfrm>
+        </p:spPr>
+        <p:txBody>
+          <a:bodyPr>
+            <a:normAutofit fontScale="90000"/>
+          </a:bodyPr>
+          <a:lstStyle/>
+          <a:p>
+            <a:pPr algn="ctr"/>
+            <a:r>
+              <a:rPr lang="en-US" sz="3200" b="1" dirty="0">
+                <a:latin typeface="Calibri" panose="020F0502020204030204" pitchFamily="34" charset="0"/>
+                <a:cs typeface="Calibri" panose="020F0502020204030204" pitchFamily="34" charset="0"/>
+                <a:sym typeface="+mn-ea"/>
+              </a:rPr>
+              <a:t>Devops Roadmap 1</a:t>
+            </a:r>
+            <a:endParaRPr lang="en-US" sz="3200" b="1" dirty="0">
+              <a:latin typeface="Calibri" panose="020F0502020204030204" pitchFamily="34" charset="0"/>
+              <a:cs typeface="Calibri" panose="020F0502020204030204" pitchFamily="34" charset="0"/>
+            </a:endParaRPr>
+          </a:p>
+        </p:txBody>
+      </p:sp>
+      <p:pic>
+        <p:nvPicPr>
+          <p:cNvPr id="5" name="内容占位符 4"/>
+          <p:cNvPicPr>
+            <a:picLocks noChangeAspect="1"/>
+          </p:cNvPicPr>
+          <p:nvPr>
+            <p:ph idx="1"/>
+          </p:nvPr>
+        </p:nvPicPr>
+        <p:blipFill>
+          <a:blip r:embed="rId1"/>
+          <a:stretch>
+            <a:fillRect/>
+          </a:stretch>
+        </p:blipFill>
+        <p:spPr>
+          <a:xfrm>
+            <a:off x="699770" y="682625"/>
+            <a:ext cx="7744460" cy="6175375"/>
+          </a:xfrm>
+          <a:prstGeom prst="rect">
+            <a:avLst/>
+          </a:prstGeom>
+        </p:spPr>
+      </p:pic>
+    </p:spTree>
+  </p:cSld>
+  <p:clrMapOvr>
+    <a:masterClrMapping/>
+  </p:clrMapOvr>
+</p:sld>
+</file>
+
+<file path=ppt/slides/slide19.xml><?xml version="1.0" encoding="utf-8"?>
+<p:sld xmlns:a="http://schemas.openxmlformats.org/drawingml/2006/main" xmlns:r="http://schemas.openxmlformats.org/officeDocument/2006/relationships" xmlns:p="http://schemas.openxmlformats.org/presentationml/2006/main">
+  <p:cSld>
+    <p:spTree>
+      <p:nvGrpSpPr>
+        <p:cNvPr id="1" name=""/>
+        <p:cNvGrpSpPr/>
+        <p:nvPr/>
+      </p:nvGrpSpPr>
+      <p:grpSpPr>
+        <a:xfrm>
+          <a:off x="0" y="0"/>
+          <a:ext cx="0" cy="0"/>
+          <a:chOff x="0" y="0"/>
+          <a:chExt cx="0" cy="0"/>
+        </a:xfrm>
+      </p:grpSpPr>
+      <p:sp>
+        <p:nvSpPr>
+          <p:cNvPr id="21505" name="Title 1"/>
+          <p:cNvSpPr>
+            <a:spLocks noGrp="1"/>
+          </p:cNvSpPr>
+          <p:nvPr>
+            <p:ph type="title"/>
+          </p:nvPr>
+        </p:nvSpPr>
+        <p:spPr>
+          <a:xfrm>
+            <a:off x="233363" y="308848"/>
+            <a:ext cx="8227219" cy="327422"/>
+          </a:xfrm>
+        </p:spPr>
+        <p:txBody>
+          <a:bodyPr vert="horz" lIns="0" tIns="0" rIns="0" bIns="0" rtlCol="0" anchor="ctr">
+            <a:normAutofit fontScale="90000"/>
+          </a:bodyPr>
+          <a:lstStyle/>
+          <a:p>
+            <a:pPr algn="ctr"/>
+            <a:r>
+              <a:rPr lang="en-US" altLang="en-GB" sz="3200" b="1" dirty="0">
+                <a:latin typeface="Calibri" panose="020F0502020204030204" pitchFamily="34" charset="0"/>
+                <a:cs typeface="Calibri" panose="020F0502020204030204" pitchFamily="34" charset="0"/>
+              </a:rPr>
+              <a:t>PUTTY / SSH</a:t>
+            </a:r>
+            <a:endParaRPr lang="en-US" altLang="en-GB" sz="3200" b="1" dirty="0">
+              <a:latin typeface="Calibri" panose="020F0502020204030204" pitchFamily="34" charset="0"/>
+              <a:cs typeface="Calibri" panose="020F0502020204030204" pitchFamily="34" charset="0"/>
+            </a:endParaRPr>
+          </a:p>
+        </p:txBody>
+      </p:sp>
+      <p:sp>
+        <p:nvSpPr>
+          <p:cNvPr id="21506" name="文本框 6"/>
+          <p:cNvSpPr txBox="1"/>
+          <p:nvPr/>
+        </p:nvSpPr>
+        <p:spPr>
+          <a:xfrm>
+            <a:off x="246455" y="859156"/>
+            <a:ext cx="8651359" cy="5486400"/>
+          </a:xfrm>
+          <a:prstGeom prst="rect">
+            <a:avLst/>
+          </a:prstGeom>
+          <a:noFill/>
+          <a:ln w="9525">
+            <a:noFill/>
+          </a:ln>
+        </p:spPr>
+        <p:txBody>
+          <a:bodyPr wrap="square" lIns="0" tIns="0" rIns="0" bIns="0" anchor="t"/>
+          <a:lstStyle/>
+          <a:p>
+            <a:pPr marL="171450" lvl="0" indent="-171450" fontAlgn="auto">
+              <a:lnSpc>
+                <a:spcPct val="200000"/>
+              </a:lnSpc>
+              <a:spcBef>
+                <a:spcPts val="700"/>
+              </a:spcBef>
+              <a:buFont typeface="Arial" panose="020B0604020202020204" pitchFamily="34" charset="0"/>
+              <a:buChar char="•"/>
+            </a:pPr>
+            <a:endParaRPr lang="en-US" dirty="0"/>
+          </a:p>
+        </p:txBody>
+      </p:sp>
+      <p:sp>
+        <p:nvSpPr>
+          <p:cNvPr id="6" name="TextBox 6"/>
+          <p:cNvSpPr txBox="1"/>
+          <p:nvPr/>
+        </p:nvSpPr>
+        <p:spPr>
+          <a:xfrm>
+            <a:off x="25183" y="6636420"/>
+            <a:ext cx="3270445" cy="184664"/>
+          </a:xfrm>
+          <a:prstGeom prst="rect">
+            <a:avLst/>
+          </a:prstGeom>
+          <a:ln w="12700">
+            <a:miter lim="400000"/>
+          </a:ln>
+        </p:spPr>
+        <p:txBody>
+          <a:bodyPr wrap="none" lIns="34289" tIns="34289" rIns="34289" bIns="34289">
+            <a:spAutoFit/>
+          </a:bodyPr>
+          <a:lstStyle>
+            <a:lvl1pPr defTabSz="914400">
+              <a:defRPr sz="1000">
+                <a:solidFill>
+                  <a:srgbClr val="FFFFFF"/>
+                </a:solidFill>
+                <a:latin typeface="Montserrat"/>
+                <a:ea typeface="Montserrat"/>
+                <a:cs typeface="Montserrat"/>
+                <a:sym typeface="Montserrat"/>
+              </a:defRPr>
+            </a:lvl1pPr>
+          </a:lstStyle>
+          <a:p>
+            <a:r>
+              <a:rPr lang="en-US" sz="750" dirty="0">
+                <a:solidFill>
+                  <a:schemeClr val="tx1"/>
+                </a:solidFill>
+                <a:latin typeface="Montserrat" panose="00000500000000000000" pitchFamily="2" charset="0"/>
+              </a:rPr>
+              <a:t>© 2017-2020    SmartMesh Foundation Pte. Ltd.  |  MeshBox Foundation Pte. Ltd.</a:t>
+            </a:r>
+            <a:endParaRPr lang="en-US" sz="750" dirty="0">
+              <a:solidFill>
+                <a:schemeClr val="tx1"/>
+              </a:solidFill>
+              <a:latin typeface="Montserrat" panose="00000500000000000000" pitchFamily="2" charset="0"/>
+              <a:sym typeface="Arial" panose="020B0604020202020204"/>
+            </a:endParaRPr>
+          </a:p>
+        </p:txBody>
+      </p:sp>
+      <p:sp>
+        <p:nvSpPr>
+          <p:cNvPr id="7" name="TextBox 6"/>
+          <p:cNvSpPr txBox="1">
+            <a:spLocks noChangeArrowheads="1"/>
+          </p:cNvSpPr>
+          <p:nvPr/>
+        </p:nvSpPr>
+        <p:spPr bwMode="auto">
+          <a:xfrm>
+            <a:off x="7872314" y="6569155"/>
+            <a:ext cx="1289447" cy="253916"/>
+          </a:xfrm>
+          <a:prstGeom prst="rect">
+            <a:avLst/>
+          </a:prstGeom>
+          <a:noFill/>
+          <a:ln w="9525">
+            <a:noFill/>
+            <a:miter lim="800000"/>
+          </a:ln>
+        </p:spPr>
+        <p:txBody>
+          <a:bodyPr>
+            <a:spAutoFit/>
+          </a:bodyPr>
+          <a:lstStyle/>
+          <a:p>
+            <a:pPr algn="r"/>
+            <a:fld id="{6F888031-CE6A-4173-BB2B-520974F34056}" type="slidenum">
+              <a:rPr lang="en-GB" sz="1050">
+                <a:latin typeface="Calibri" panose="020F0502020204030204" pitchFamily="34" charset="0"/>
+              </a:rPr>
+            </a:fld>
+            <a:endParaRPr lang="en-GB" sz="1050" dirty="0">
+              <a:latin typeface="Calibri" panose="020F0502020204030204" pitchFamily="34" charset="0"/>
+            </a:endParaRPr>
+          </a:p>
+        </p:txBody>
+      </p:sp>
+      <p:pic>
+        <p:nvPicPr>
+          <p:cNvPr id="2" name="图片 1"/>
+          <p:cNvPicPr>
+            <a:picLocks noChangeAspect="1"/>
+          </p:cNvPicPr>
+          <p:nvPr/>
+        </p:nvPicPr>
+        <p:blipFill>
+          <a:blip r:embed="rId1"/>
+          <a:stretch>
+            <a:fillRect/>
+          </a:stretch>
+        </p:blipFill>
+        <p:spPr>
+          <a:xfrm>
+            <a:off x="2352675" y="1290320"/>
+            <a:ext cx="4438650" cy="4276725"/>
+          </a:xfrm>
+          <a:prstGeom prst="rect">
+            <a:avLst/>
+          </a:prstGeom>
+        </p:spPr>
+      </p:pic>
+    </p:spTree>
+  </p:cSld>
+  <p:clrMapOvr>
+    <a:masterClrMapping/>
+  </p:clrMapOvr>
+  <p:transition spd="med">
+    <p:fade/>
+  </p:transition>
 </p:sld>
 </file>
 
@@ -8031,6 +9752,184 @@
   <p:transition spd="med">
     <p:fade/>
   </p:transition>
+</p:sld>
+</file>
+
+<file path=ppt/slides/slide20.xml><?xml version="1.0" encoding="utf-8"?>
+<p:sld xmlns:a="http://schemas.openxmlformats.org/drawingml/2006/main" xmlns:r="http://schemas.openxmlformats.org/officeDocument/2006/relationships" xmlns:p="http://schemas.openxmlformats.org/presentationml/2006/main">
+  <p:cSld>
+    <p:spTree>
+      <p:nvGrpSpPr>
+        <p:cNvPr id="1" name=""/>
+        <p:cNvGrpSpPr/>
+        <p:nvPr/>
+      </p:nvGrpSpPr>
+      <p:grpSpPr>
+        <a:xfrm>
+          <a:off x="0" y="0"/>
+          <a:ext cx="0" cy="0"/>
+          <a:chOff x="0" y="0"/>
+          <a:chExt cx="0" cy="0"/>
+        </a:xfrm>
+      </p:grpSpPr>
+      <p:sp>
+        <p:nvSpPr>
+          <p:cNvPr id="2" name="Title 1"/>
+          <p:cNvSpPr>
+            <a:spLocks noGrp="1"/>
+          </p:cNvSpPr>
+          <p:nvPr>
+            <p:ph type="title"/>
+          </p:nvPr>
+        </p:nvSpPr>
+        <p:spPr>
+          <a:xfrm>
+            <a:off x="628650" y="155263"/>
+            <a:ext cx="7886700" cy="526790"/>
+          </a:xfrm>
+        </p:spPr>
+        <p:txBody>
+          <a:bodyPr>
+            <a:normAutofit fontScale="90000"/>
+          </a:bodyPr>
+          <a:lstStyle/>
+          <a:p>
+            <a:pPr algn="ctr"/>
+            <a:r>
+              <a:rPr lang="en-US" sz="3200" b="1" dirty="0">
+                <a:latin typeface="Calibri" panose="020F0502020204030204" pitchFamily="34" charset="0"/>
+                <a:cs typeface="Calibri" panose="020F0502020204030204" pitchFamily="34" charset="0"/>
+                <a:sym typeface="+mn-ea"/>
+              </a:rPr>
+              <a:t>Devops Roadmap 2</a:t>
+            </a:r>
+            <a:endParaRPr lang="en-US" sz="3200" b="1" dirty="0">
+              <a:latin typeface="Calibri" panose="020F0502020204030204" pitchFamily="34" charset="0"/>
+              <a:cs typeface="Calibri" panose="020F0502020204030204" pitchFamily="34" charset="0"/>
+            </a:endParaRPr>
+          </a:p>
+        </p:txBody>
+      </p:sp>
+      <p:pic>
+        <p:nvPicPr>
+          <p:cNvPr id="4" name="内容占位符 3"/>
+          <p:cNvPicPr>
+            <a:picLocks noChangeAspect="1"/>
+          </p:cNvPicPr>
+          <p:nvPr>
+            <p:ph idx="1"/>
+          </p:nvPr>
+        </p:nvPicPr>
+        <p:blipFill>
+          <a:blip r:embed="rId1"/>
+          <a:stretch>
+            <a:fillRect/>
+          </a:stretch>
+        </p:blipFill>
+        <p:spPr>
+          <a:xfrm>
+            <a:off x="295275" y="682625"/>
+            <a:ext cx="8552815" cy="5715635"/>
+          </a:xfrm>
+          <a:prstGeom prst="rect">
+            <a:avLst/>
+          </a:prstGeom>
+        </p:spPr>
+      </p:pic>
+    </p:spTree>
+  </p:cSld>
+  <p:clrMapOvr>
+    <a:masterClrMapping/>
+  </p:clrMapOvr>
+</p:sld>
+</file>
+
+<file path=ppt/slides/slide21.xml><?xml version="1.0" encoding="utf-8"?>
+<p:sld xmlns:a="http://schemas.openxmlformats.org/drawingml/2006/main" xmlns:r="http://schemas.openxmlformats.org/officeDocument/2006/relationships" xmlns:p="http://schemas.openxmlformats.org/presentationml/2006/main">
+  <p:cSld>
+    <p:spTree>
+      <p:nvGrpSpPr>
+        <p:cNvPr id="1" name=""/>
+        <p:cNvGrpSpPr/>
+        <p:nvPr/>
+      </p:nvGrpSpPr>
+      <p:grpSpPr>
+        <a:xfrm>
+          <a:off x="0" y="0"/>
+          <a:ext cx="0" cy="0"/>
+          <a:chOff x="0" y="0"/>
+          <a:chExt cx="0" cy="0"/>
+        </a:xfrm>
+      </p:grpSpPr>
+      <p:sp>
+        <p:nvSpPr>
+          <p:cNvPr id="2" name="Title 1"/>
+          <p:cNvSpPr>
+            <a:spLocks noGrp="1"/>
+          </p:cNvSpPr>
+          <p:nvPr>
+            <p:ph type="title"/>
+          </p:nvPr>
+        </p:nvSpPr>
+        <p:spPr>
+          <a:xfrm>
+            <a:off x="628650" y="155263"/>
+            <a:ext cx="7886700" cy="526790"/>
+          </a:xfrm>
+        </p:spPr>
+        <p:txBody>
+          <a:bodyPr>
+            <a:normAutofit fontScale="90000"/>
+          </a:bodyPr>
+          <a:lstStyle/>
+          <a:p>
+            <a:pPr algn="ctr"/>
+            <a:r>
+              <a:rPr lang="en-US" sz="3200" b="1" dirty="0">
+                <a:latin typeface="Calibri" panose="020F0502020204030204" pitchFamily="34" charset="0"/>
+                <a:cs typeface="Calibri" panose="020F0502020204030204" pitchFamily="34" charset="0"/>
+                <a:sym typeface="+mn-ea"/>
+              </a:rPr>
+              <a:t>Devops Roadmap 3</a:t>
+            </a:r>
+            <a:endParaRPr lang="en-US" sz="3200" b="1" dirty="0">
+              <a:latin typeface="Calibri" panose="020F0502020204030204" pitchFamily="34" charset="0"/>
+              <a:cs typeface="Calibri" panose="020F0502020204030204" pitchFamily="34" charset="0"/>
+            </a:endParaRPr>
+          </a:p>
+        </p:txBody>
+      </p:sp>
+      <p:pic>
+        <p:nvPicPr>
+          <p:cNvPr id="5" name="内容占位符 4"/>
+          <p:cNvPicPr>
+            <a:picLocks noChangeAspect="1"/>
+          </p:cNvPicPr>
+          <p:nvPr>
+            <p:ph idx="1"/>
+          </p:nvPr>
+        </p:nvPicPr>
+        <p:blipFill>
+          <a:blip r:embed="rId1"/>
+          <a:stretch>
+            <a:fillRect/>
+          </a:stretch>
+        </p:blipFill>
+        <p:spPr>
+          <a:xfrm>
+            <a:off x="490855" y="808990"/>
+            <a:ext cx="8162290" cy="6049010"/>
+          </a:xfrm>
+          <a:prstGeom prst="rect">
+            <a:avLst/>
+          </a:prstGeom>
+        </p:spPr>
+      </p:pic>
+    </p:spTree>
+  </p:cSld>
+  <p:clrMapOvr>
+    <a:masterClrMapping/>
+  </p:clrMapOvr>
 </p:sld>
 </file>
 
@@ -8142,7 +10041,7 @@
       </p:grpSpPr>
       <p:sp>
         <p:nvSpPr>
-          <p:cNvPr id="2" name="Title 1"/>
+          <p:cNvPr id="21505" name="Title 1"/>
           <p:cNvSpPr>
             <a:spLocks noGrp="1"/>
           </p:cNvSpPr>
@@ -8152,63 +10051,290 @@
         </p:nvSpPr>
         <p:spPr>
           <a:xfrm>
-            <a:off x="628650" y="155263"/>
-            <a:ext cx="7886700" cy="526790"/>
+            <a:off x="233363" y="308848"/>
+            <a:ext cx="8227219" cy="327422"/>
           </a:xfrm>
         </p:spPr>
         <p:txBody>
-          <a:bodyPr>
+          <a:bodyPr vert="horz" lIns="0" tIns="0" rIns="0" bIns="0" rtlCol="0" anchor="ctr">
             <a:normAutofit fontScale="90000"/>
           </a:bodyPr>
           <a:lstStyle/>
           <a:p>
             <a:pPr algn="ctr"/>
             <a:r>
-              <a:rPr lang="en-US" sz="3200" b="1" dirty="0">
+              <a:rPr lang="en-US" altLang="en-GB" sz="3200" b="1" dirty="0">
                 <a:latin typeface="Calibri" panose="020F0502020204030204" pitchFamily="34" charset="0"/>
                 <a:cs typeface="Calibri" panose="020F0502020204030204" pitchFamily="34" charset="0"/>
-                <a:sym typeface="+mn-ea"/>
               </a:rPr>
-              <a:t>Frontend Roadmap 2</a:t>
-            </a:r>
-            <a:endParaRPr lang="en-US" sz="3200" b="1" dirty="0">
+              <a:t>Firefox Demo</a:t>
+            </a:r>
+            <a:endParaRPr lang="en-US" altLang="en-GB" sz="3200" b="1" dirty="0">
               <a:latin typeface="Calibri" panose="020F0502020204030204" pitchFamily="34" charset="0"/>
               <a:cs typeface="Calibri" panose="020F0502020204030204" pitchFamily="34" charset="0"/>
             </a:endParaRPr>
           </a:p>
         </p:txBody>
       </p:sp>
-      <p:pic>
-        <p:nvPicPr>
-          <p:cNvPr id="5" name="内容占位符 4"/>
-          <p:cNvPicPr>
-            <a:picLocks noChangeAspect="1"/>
-          </p:cNvPicPr>
-          <p:nvPr>
-            <p:ph idx="1"/>
-          </p:nvPr>
-        </p:nvPicPr>
-        <p:blipFill>
-          <a:blip r:embed="rId1"/>
-          <a:stretch>
-            <a:fillRect/>
-          </a:stretch>
-        </p:blipFill>
+      <p:sp>
+        <p:nvSpPr>
+          <p:cNvPr id="21506" name="文本框 6"/>
+          <p:cNvSpPr txBox="1"/>
+          <p:nvPr/>
+        </p:nvSpPr>
         <p:spPr>
           <a:xfrm>
-            <a:off x="123825" y="715645"/>
-            <a:ext cx="8895715" cy="6142355"/>
+            <a:off x="246455" y="859156"/>
+            <a:ext cx="8651359" cy="5486400"/>
           </a:xfrm>
           <a:prstGeom prst="rect">
             <a:avLst/>
           </a:prstGeom>
-        </p:spPr>
-      </p:pic>
+          <a:noFill/>
+          <a:ln w="9525">
+            <a:noFill/>
+          </a:ln>
+        </p:spPr>
+        <p:txBody>
+          <a:bodyPr wrap="square" lIns="0" tIns="0" rIns="0" bIns="0" anchor="t"/>
+          <a:lstStyle/>
+          <a:p>
+            <a:pPr marL="171450" lvl="0" indent="-171450" fontAlgn="auto">
+              <a:lnSpc>
+                <a:spcPct val="200000"/>
+              </a:lnSpc>
+              <a:spcBef>
+                <a:spcPts val="700"/>
+              </a:spcBef>
+              <a:buFont typeface="Arial" panose="020B0604020202020204" pitchFamily="34" charset="0"/>
+              <a:buChar char="•"/>
+            </a:pPr>
+            <a:r>
+              <a:rPr lang="en-US" dirty="0"/>
+              <a:t>GET / POST request </a:t>
+            </a:r>
+            <a:endParaRPr lang="en-US" dirty="0"/>
+          </a:p>
+          <a:p>
+            <a:pPr marL="171450" lvl="0" indent="-171450" fontAlgn="auto">
+              <a:lnSpc>
+                <a:spcPct val="200000"/>
+              </a:lnSpc>
+              <a:spcBef>
+                <a:spcPts val="700"/>
+              </a:spcBef>
+              <a:buFont typeface="Arial" panose="020B0604020202020204" pitchFamily="34" charset="0"/>
+              <a:buChar char="•"/>
+            </a:pPr>
+            <a:r>
+              <a:rPr lang="en-US" dirty="0"/>
+              <a:t>GET: parameter is in url</a:t>
+            </a:r>
+            <a:endParaRPr lang="en-US" dirty="0"/>
+          </a:p>
+          <a:p>
+            <a:pPr marL="171450" lvl="0" indent="-171450" fontAlgn="auto">
+              <a:lnSpc>
+                <a:spcPct val="200000"/>
+              </a:lnSpc>
+              <a:spcBef>
+                <a:spcPts val="700"/>
+              </a:spcBef>
+              <a:buFont typeface="Arial" panose="020B0604020202020204" pitchFamily="34" charset="0"/>
+              <a:buChar char="•"/>
+            </a:pPr>
+            <a:r>
+              <a:rPr lang="en-US" dirty="0"/>
+              <a:t>https://www.skadden.com/professionals?skip=0&amp;letter=A&amp;hassearched=true</a:t>
+            </a:r>
+            <a:endParaRPr lang="en-US" dirty="0"/>
+          </a:p>
+          <a:p>
+            <a:pPr marL="171450" lvl="0" indent="-171450" fontAlgn="auto">
+              <a:lnSpc>
+                <a:spcPct val="200000"/>
+              </a:lnSpc>
+              <a:spcBef>
+                <a:spcPts val="700"/>
+              </a:spcBef>
+              <a:buFont typeface="Arial" panose="020B0604020202020204" pitchFamily="34" charset="0"/>
+              <a:buChar char="•"/>
+            </a:pPr>
+            <a:r>
+              <a:rPr lang="en-US" dirty="0"/>
+              <a:t>POST: parateter is in data</a:t>
+            </a:r>
+            <a:endParaRPr lang="en-US" dirty="0"/>
+          </a:p>
+          <a:p>
+            <a:pPr marL="171450" lvl="0" indent="-171450" fontAlgn="auto">
+              <a:lnSpc>
+                <a:spcPct val="200000"/>
+              </a:lnSpc>
+              <a:spcBef>
+                <a:spcPts val="700"/>
+              </a:spcBef>
+              <a:buFont typeface="Arial" panose="020B0604020202020204" pitchFamily="34" charset="0"/>
+              <a:buChar char="•"/>
+            </a:pPr>
+            <a:r>
+              <a:rPr lang="en-US" dirty="0"/>
+              <a:t>https://www.quora.com/</a:t>
+            </a:r>
+            <a:endParaRPr lang="en-US" dirty="0"/>
+          </a:p>
+          <a:p>
+            <a:pPr marL="171450" lvl="0" indent="-171450" fontAlgn="auto">
+              <a:lnSpc>
+                <a:spcPct val="200000"/>
+              </a:lnSpc>
+              <a:spcBef>
+                <a:spcPts val="700"/>
+              </a:spcBef>
+              <a:buFont typeface="Arial" panose="020B0604020202020204" pitchFamily="34" charset="0"/>
+              <a:buChar char="•"/>
+            </a:pPr>
+            <a:r>
+              <a:rPr lang="en-US" dirty="0"/>
+              <a:t>and headers</a:t>
+            </a:r>
+            <a:endParaRPr lang="en-US" dirty="0"/>
+          </a:p>
+          <a:p>
+            <a:pPr marL="171450" lvl="0" indent="-171450" fontAlgn="auto">
+              <a:lnSpc>
+                <a:spcPct val="200000"/>
+              </a:lnSpc>
+              <a:spcBef>
+                <a:spcPts val="700"/>
+              </a:spcBef>
+              <a:buFont typeface="Arial" panose="020B0604020202020204" pitchFamily="34" charset="0"/>
+              <a:buChar char="•"/>
+            </a:pPr>
+            <a:r>
+              <a:rPr lang="en-US" dirty="0"/>
+              <a:t>css demostration</a:t>
+            </a:r>
+            <a:endParaRPr lang="en-US" dirty="0"/>
+          </a:p>
+          <a:p>
+            <a:pPr marL="171450" lvl="0" indent="-171450" fontAlgn="auto">
+              <a:lnSpc>
+                <a:spcPct val="200000"/>
+              </a:lnSpc>
+              <a:spcBef>
+                <a:spcPts val="700"/>
+              </a:spcBef>
+              <a:buFont typeface="Arial" panose="020B0604020202020204" pitchFamily="34" charset="0"/>
+              <a:buChar char="•"/>
+            </a:pPr>
+            <a:endParaRPr lang="en-US" dirty="0"/>
+          </a:p>
+        </p:txBody>
+      </p:sp>
+      <p:sp>
+        <p:nvSpPr>
+          <p:cNvPr id="6" name="TextBox 6"/>
+          <p:cNvSpPr txBox="1"/>
+          <p:nvPr/>
+        </p:nvSpPr>
+        <p:spPr>
+          <a:xfrm>
+            <a:off x="25183" y="6636420"/>
+            <a:ext cx="3270445" cy="184664"/>
+          </a:xfrm>
+          <a:prstGeom prst="rect">
+            <a:avLst/>
+          </a:prstGeom>
+          <a:ln w="12700">
+            <a:miter lim="400000"/>
+          </a:ln>
+        </p:spPr>
+        <p:txBody>
+          <a:bodyPr wrap="none" lIns="34289" tIns="34289" rIns="34289" bIns="34289">
+            <a:spAutoFit/>
+          </a:bodyPr>
+          <a:lstStyle>
+            <a:lvl1pPr defTabSz="914400">
+              <a:defRPr sz="1000">
+                <a:solidFill>
+                  <a:srgbClr val="FFFFFF"/>
+                </a:solidFill>
+                <a:latin typeface="Montserrat"/>
+                <a:ea typeface="Montserrat"/>
+                <a:cs typeface="Montserrat"/>
+                <a:sym typeface="Montserrat"/>
+              </a:defRPr>
+            </a:lvl1pPr>
+          </a:lstStyle>
+          <a:p>
+            <a:r>
+              <a:rPr lang="en-US" sz="750" dirty="0">
+                <a:solidFill>
+                  <a:schemeClr val="tx1"/>
+                </a:solidFill>
+                <a:latin typeface="Montserrat" panose="00000500000000000000" pitchFamily="2" charset="0"/>
+              </a:rPr>
+              <a:t>© 2017-2020    SmartMesh Foundation Pte. Ltd.  |  MeshBox Foundation Pte. Ltd.</a:t>
+            </a:r>
+            <a:endParaRPr lang="en-US" sz="750" dirty="0">
+              <a:solidFill>
+                <a:schemeClr val="tx1"/>
+              </a:solidFill>
+              <a:latin typeface="Montserrat" panose="00000500000000000000" pitchFamily="2" charset="0"/>
+              <a:sym typeface="Arial" panose="020B0604020202020204"/>
+            </a:endParaRPr>
+          </a:p>
+        </p:txBody>
+      </p:sp>
+      <p:sp>
+        <p:nvSpPr>
+          <p:cNvPr id="7" name="TextBox 6"/>
+          <p:cNvSpPr txBox="1">
+            <a:spLocks noChangeArrowheads="1"/>
+          </p:cNvSpPr>
+          <p:nvPr/>
+        </p:nvSpPr>
+        <p:spPr bwMode="auto">
+          <a:xfrm>
+            <a:off x="7872314" y="6569155"/>
+            <a:ext cx="1289447" cy="253916"/>
+          </a:xfrm>
+          <a:prstGeom prst="rect">
+            <a:avLst/>
+          </a:prstGeom>
+          <a:noFill/>
+          <a:ln w="9525">
+            <a:noFill/>
+            <a:miter lim="800000"/>
+          </a:ln>
+        </p:spPr>
+        <p:txBody>
+          <a:bodyPr>
+            <a:spAutoFit/>
+          </a:bodyPr>
+          <a:lstStyle/>
+          <a:p>
+            <a:pPr algn="r"/>
+            <a:fld id="{6F888031-CE6A-4173-BB2B-520974F34056}" type="slidenum">
+              <a:rPr lang="en-GB" sz="1050">
+                <a:latin typeface="Calibri" panose="020F0502020204030204" pitchFamily="34" charset="0"/>
+              </a:rPr>
+            </a:fld>
+            <a:endParaRPr lang="en-GB" sz="1050" dirty="0">
+              <a:latin typeface="Calibri" panose="020F0502020204030204" pitchFamily="34" charset="0"/>
+            </a:endParaRPr>
+          </a:p>
+        </p:txBody>
+      </p:sp>
     </p:spTree>
   </p:cSld>
   <p:clrMapOvr>
     <a:masterClrMapping/>
   </p:clrMapOvr>
+  <p:transition spd="med">
+    <p:fade/>
+  </p:transition>
 </p:sld>
 </file>
 
@@ -8258,7 +10384,7 @@
                 <a:cs typeface="Calibri" panose="020F0502020204030204" pitchFamily="34" charset="0"/>
                 <a:sym typeface="+mn-ea"/>
               </a:rPr>
-              <a:t>Frontend Roadmap 3</a:t>
+              <a:t>Frontend Roadmap 2</a:t>
             </a:r>
             <a:endParaRPr lang="en-US" sz="3200" b="1" dirty="0">
               <a:latin typeface="Calibri" panose="020F0502020204030204" pitchFamily="34" charset="0"/>
@@ -8269,7 +10395,7 @@
       </p:sp>
       <p:pic>
         <p:nvPicPr>
-          <p:cNvPr id="4" name="内容占位符 3"/>
+          <p:cNvPr id="5" name="内容占位符 4"/>
           <p:cNvPicPr>
             <a:picLocks noChangeAspect="1"/>
           </p:cNvPicPr>
@@ -8285,8 +10411,8 @@
         </p:blipFill>
         <p:spPr>
           <a:xfrm>
-            <a:off x="50165" y="682625"/>
-            <a:ext cx="9043670" cy="5883275"/>
+            <a:off x="123825" y="715645"/>
+            <a:ext cx="8895715" cy="6142355"/>
           </a:xfrm>
           <a:prstGeom prst="rect">
             <a:avLst/>
@@ -8320,7 +10446,7 @@
       </p:grpSpPr>
       <p:sp>
         <p:nvSpPr>
-          <p:cNvPr id="2" name="Title 1"/>
+          <p:cNvPr id="21505" name="Title 1"/>
           <p:cNvSpPr>
             <a:spLocks noGrp="1"/>
           </p:cNvSpPr>
@@ -8330,63 +10456,226 @@
         </p:nvSpPr>
         <p:spPr>
           <a:xfrm>
-            <a:off x="628650" y="155263"/>
-            <a:ext cx="7886700" cy="526790"/>
+            <a:off x="233363" y="308848"/>
+            <a:ext cx="8227219" cy="327422"/>
           </a:xfrm>
         </p:spPr>
         <p:txBody>
-          <a:bodyPr>
+          <a:bodyPr vert="horz" lIns="0" tIns="0" rIns="0" bIns="0" rtlCol="0" anchor="ctr">
             <a:normAutofit fontScale="90000"/>
           </a:bodyPr>
           <a:lstStyle/>
           <a:p>
             <a:pPr algn="ctr"/>
             <a:r>
-              <a:rPr lang="en-US" sz="3200" b="1" dirty="0">
+              <a:rPr lang="en-US" altLang="en-GB" sz="3200" b="1" dirty="0">
                 <a:latin typeface="Calibri" panose="020F0502020204030204" pitchFamily="34" charset="0"/>
                 <a:cs typeface="Calibri" panose="020F0502020204030204" pitchFamily="34" charset="0"/>
-                <a:sym typeface="+mn-ea"/>
               </a:rPr>
-              <a:t>Frontend Roadmap 4</a:t>
-            </a:r>
-            <a:endParaRPr lang="en-US" sz="3200" b="1" dirty="0">
+              <a:t>Github Demo</a:t>
+            </a:r>
+            <a:endParaRPr lang="en-US" altLang="en-GB" sz="3200" b="1" dirty="0">
               <a:latin typeface="Calibri" panose="020F0502020204030204" pitchFamily="34" charset="0"/>
               <a:cs typeface="Calibri" panose="020F0502020204030204" pitchFamily="34" charset="0"/>
             </a:endParaRPr>
           </a:p>
         </p:txBody>
       </p:sp>
-      <p:pic>
-        <p:nvPicPr>
-          <p:cNvPr id="5" name="内容占位符 4"/>
-          <p:cNvPicPr>
-            <a:picLocks noChangeAspect="1"/>
-          </p:cNvPicPr>
-          <p:nvPr>
-            <p:ph idx="1"/>
-          </p:nvPr>
-        </p:nvPicPr>
-        <p:blipFill>
-          <a:blip r:embed="rId1"/>
-          <a:stretch>
-            <a:fillRect/>
-          </a:stretch>
-        </p:blipFill>
+      <p:sp>
+        <p:nvSpPr>
+          <p:cNvPr id="21506" name="文本框 6"/>
+          <p:cNvSpPr txBox="1"/>
+          <p:nvPr/>
+        </p:nvSpPr>
         <p:spPr>
           <a:xfrm>
-            <a:off x="543560" y="682625"/>
-            <a:ext cx="8056880" cy="6078855"/>
+            <a:off x="246455" y="859156"/>
+            <a:ext cx="8651359" cy="5486400"/>
           </a:xfrm>
           <a:prstGeom prst="rect">
             <a:avLst/>
           </a:prstGeom>
-        </p:spPr>
-      </p:pic>
+          <a:noFill/>
+          <a:ln w="9525">
+            <a:noFill/>
+          </a:ln>
+        </p:spPr>
+        <p:txBody>
+          <a:bodyPr wrap="square" lIns="0" tIns="0" rIns="0" bIns="0" anchor="t"/>
+          <a:lstStyle/>
+          <a:p>
+            <a:pPr marL="171450" lvl="0" indent="-171450" fontAlgn="auto">
+              <a:lnSpc>
+                <a:spcPct val="200000"/>
+              </a:lnSpc>
+              <a:spcBef>
+                <a:spcPts val="700"/>
+              </a:spcBef>
+              <a:buFont typeface="Arial" panose="020B0604020202020204" pitchFamily="34" charset="0"/>
+              <a:buChar char="•"/>
+            </a:pPr>
+            <a:r>
+              <a:rPr lang="en-US" dirty="0"/>
+              <a:t>create a new repository</a:t>
+            </a:r>
+            <a:endParaRPr lang="en-US" dirty="0"/>
+          </a:p>
+          <a:p>
+            <a:pPr marL="171450" lvl="0" indent="-171450" fontAlgn="auto">
+              <a:lnSpc>
+                <a:spcPct val="200000"/>
+              </a:lnSpc>
+              <a:spcBef>
+                <a:spcPts val="700"/>
+              </a:spcBef>
+              <a:buFont typeface="Arial" panose="020B0604020202020204" pitchFamily="34" charset="0"/>
+              <a:buChar char="•"/>
+            </a:pPr>
+            <a:r>
+              <a:rPr lang="en-US" dirty="0"/>
+              <a:t>git add</a:t>
+            </a:r>
+            <a:endParaRPr lang="en-US" dirty="0"/>
+          </a:p>
+          <a:p>
+            <a:pPr marL="171450" lvl="0" indent="-171450" fontAlgn="auto">
+              <a:lnSpc>
+                <a:spcPct val="200000"/>
+              </a:lnSpc>
+              <a:spcBef>
+                <a:spcPts val="700"/>
+              </a:spcBef>
+              <a:buFont typeface="Arial" panose="020B0604020202020204" pitchFamily="34" charset="0"/>
+              <a:buChar char="•"/>
+            </a:pPr>
+            <a:r>
+              <a:rPr lang="en-US" dirty="0"/>
+              <a:t>git commit</a:t>
+            </a:r>
+            <a:endParaRPr lang="en-US" dirty="0"/>
+          </a:p>
+          <a:p>
+            <a:pPr marL="171450" lvl="0" indent="-171450" fontAlgn="auto">
+              <a:lnSpc>
+                <a:spcPct val="200000"/>
+              </a:lnSpc>
+              <a:spcBef>
+                <a:spcPts val="700"/>
+              </a:spcBef>
+              <a:buFont typeface="Arial" panose="020B0604020202020204" pitchFamily="34" charset="0"/>
+              <a:buChar char="•"/>
+            </a:pPr>
+            <a:r>
+              <a:rPr lang="en-US" dirty="0"/>
+              <a:t>git push</a:t>
+            </a:r>
+            <a:endParaRPr lang="en-US" dirty="0"/>
+          </a:p>
+        </p:txBody>
+      </p:sp>
+      <p:sp>
+        <p:nvSpPr>
+          <p:cNvPr id="6" name="TextBox 6"/>
+          <p:cNvSpPr txBox="1"/>
+          <p:nvPr/>
+        </p:nvSpPr>
+        <p:spPr>
+          <a:xfrm>
+            <a:off x="25183" y="6636420"/>
+            <a:ext cx="3270445" cy="184664"/>
+          </a:xfrm>
+          <a:prstGeom prst="rect">
+            <a:avLst/>
+          </a:prstGeom>
+          <a:ln w="12700">
+            <a:miter lim="400000"/>
+          </a:ln>
+        </p:spPr>
+        <p:txBody>
+          <a:bodyPr wrap="none" lIns="34289" tIns="34289" rIns="34289" bIns="34289">
+            <a:spAutoFit/>
+          </a:bodyPr>
+          <a:lstStyle>
+            <a:lvl1pPr defTabSz="914400">
+              <a:defRPr sz="1000">
+                <a:solidFill>
+                  <a:srgbClr val="FFFFFF"/>
+                </a:solidFill>
+                <a:latin typeface="Montserrat"/>
+                <a:ea typeface="Montserrat"/>
+                <a:cs typeface="Montserrat"/>
+                <a:sym typeface="Montserrat"/>
+              </a:defRPr>
+            </a:lvl1pPr>
+          </a:lstStyle>
+          <a:p>
+            <a:r>
+              <a:rPr lang="en-US" sz="750" dirty="0">
+                <a:solidFill>
+                  <a:schemeClr val="tx1"/>
+                </a:solidFill>
+                <a:latin typeface="Montserrat" panose="00000500000000000000" pitchFamily="2" charset="0"/>
+              </a:rPr>
+              <a:t>© 2017-2020    SmartMesh Foundation Pte. Ltd.  |  MeshBox Foundation Pte. Ltd.</a:t>
+            </a:r>
+            <a:endParaRPr lang="en-US" sz="750" dirty="0">
+              <a:solidFill>
+                <a:schemeClr val="tx1"/>
+              </a:solidFill>
+              <a:latin typeface="Montserrat" panose="00000500000000000000" pitchFamily="2" charset="0"/>
+              <a:sym typeface="Arial" panose="020B0604020202020204"/>
+            </a:endParaRPr>
+          </a:p>
+        </p:txBody>
+      </p:sp>
+      <p:sp>
+        <p:nvSpPr>
+          <p:cNvPr id="7" name="TextBox 6"/>
+          <p:cNvSpPr txBox="1">
+            <a:spLocks noChangeArrowheads="1"/>
+          </p:cNvSpPr>
+          <p:nvPr/>
+        </p:nvSpPr>
+        <p:spPr bwMode="auto">
+          <a:xfrm>
+            <a:off x="7872314" y="6569155"/>
+            <a:ext cx="1289447" cy="253916"/>
+          </a:xfrm>
+          <a:prstGeom prst="rect">
+            <a:avLst/>
+          </a:prstGeom>
+          <a:noFill/>
+          <a:ln w="9525">
+            <a:noFill/>
+            <a:miter lim="800000"/>
+          </a:ln>
+        </p:spPr>
+        <p:txBody>
+          <a:bodyPr>
+            <a:spAutoFit/>
+          </a:bodyPr>
+          <a:lstStyle/>
+          <a:p>
+            <a:pPr algn="r"/>
+            <a:fld id="{6F888031-CE6A-4173-BB2B-520974F34056}" type="slidenum">
+              <a:rPr lang="en-GB" sz="1050">
+                <a:latin typeface="Calibri" panose="020F0502020204030204" pitchFamily="34" charset="0"/>
+              </a:rPr>
+            </a:fld>
+            <a:endParaRPr lang="en-GB" sz="1050" dirty="0">
+              <a:latin typeface="Calibri" panose="020F0502020204030204" pitchFamily="34" charset="0"/>
+            </a:endParaRPr>
+          </a:p>
+        </p:txBody>
+      </p:sp>
     </p:spTree>
   </p:cSld>
   <p:clrMapOvr>
     <a:masterClrMapping/>
   </p:clrMapOvr>
+  <p:transition spd="med">
+    <p:fade/>
+  </p:transition>
 </p:sld>
 </file>
 
@@ -8436,7 +10725,7 @@
                 <a:cs typeface="Calibri" panose="020F0502020204030204" pitchFamily="34" charset="0"/>
                 <a:sym typeface="+mn-ea"/>
               </a:rPr>
-              <a:t>Frontend Roadmap 5</a:t>
+              <a:t>Frontend Roadmap 3</a:t>
             </a:r>
             <a:endParaRPr lang="en-US" sz="3200" b="1" dirty="0">
               <a:latin typeface="Calibri" panose="020F0502020204030204" pitchFamily="34" charset="0"/>
@@ -8463,8 +10752,8 @@
         </p:blipFill>
         <p:spPr>
           <a:xfrm>
-            <a:off x="314325" y="682625"/>
-            <a:ext cx="8515985" cy="5935345"/>
+            <a:off x="50165" y="682625"/>
+            <a:ext cx="9043670" cy="5883275"/>
           </a:xfrm>
           <a:prstGeom prst="rect">
             <a:avLst/>
@@ -8498,7 +10787,7 @@
       </p:grpSpPr>
       <p:sp>
         <p:nvSpPr>
-          <p:cNvPr id="2" name="Title 1"/>
+          <p:cNvPr id="21505" name="Title 1"/>
           <p:cNvSpPr>
             <a:spLocks noGrp="1"/>
           </p:cNvSpPr>
@@ -8508,41 +10797,223 @@
         </p:nvSpPr>
         <p:spPr>
           <a:xfrm>
-            <a:off x="628650" y="155263"/>
-            <a:ext cx="7886700" cy="526790"/>
+            <a:off x="233363" y="308848"/>
+            <a:ext cx="8227219" cy="327422"/>
           </a:xfrm>
         </p:spPr>
         <p:txBody>
-          <a:bodyPr>
+          <a:bodyPr vert="horz" lIns="0" tIns="0" rIns="0" bIns="0" rtlCol="0" anchor="ctr">
             <a:normAutofit fontScale="90000"/>
           </a:bodyPr>
           <a:lstStyle/>
           <a:p>
             <a:pPr algn="ctr"/>
             <a:r>
-              <a:rPr lang="en-US" sz="3200" b="1" dirty="0">
+              <a:rPr lang="en-US" altLang="en-GB" sz="3200" b="1" dirty="0">
                 <a:latin typeface="Calibri" panose="020F0502020204030204" pitchFamily="34" charset="0"/>
                 <a:cs typeface="Calibri" panose="020F0502020204030204" pitchFamily="34" charset="0"/>
-                <a:sym typeface="+mn-ea"/>
               </a:rPr>
-              <a:t>Backend Roadmap 1</a:t>
-            </a:r>
-            <a:endParaRPr lang="en-US" sz="3200" b="1" dirty="0">
+              <a:t>What is the frontend</a:t>
+            </a:r>
+            <a:endParaRPr lang="en-US" altLang="en-GB" sz="3200" b="1" dirty="0">
               <a:latin typeface="Calibri" panose="020F0502020204030204" pitchFamily="34" charset="0"/>
               <a:cs typeface="Calibri" panose="020F0502020204030204" pitchFamily="34" charset="0"/>
             </a:endParaRPr>
           </a:p>
         </p:txBody>
       </p:sp>
+      <p:sp>
+        <p:nvSpPr>
+          <p:cNvPr id="21506" name="文本框 6"/>
+          <p:cNvSpPr txBox="1"/>
+          <p:nvPr/>
+        </p:nvSpPr>
+        <p:spPr>
+          <a:xfrm>
+            <a:off x="246455" y="859156"/>
+            <a:ext cx="8651359" cy="5486400"/>
+          </a:xfrm>
+          <a:prstGeom prst="rect">
+            <a:avLst/>
+          </a:prstGeom>
+          <a:noFill/>
+          <a:ln w="9525">
+            <a:noFill/>
+          </a:ln>
+        </p:spPr>
+        <p:txBody>
+          <a:bodyPr wrap="square" lIns="0" tIns="0" rIns="0" bIns="0" anchor="t"/>
+          <a:lstStyle/>
+          <a:p>
+            <a:pPr marL="171450" lvl="0" indent="-171450" fontAlgn="auto">
+              <a:lnSpc>
+                <a:spcPct val="200000"/>
+              </a:lnSpc>
+              <a:spcBef>
+                <a:spcPts val="700"/>
+              </a:spcBef>
+              <a:buFont typeface="Arial" panose="020B0604020202020204" pitchFamily="34" charset="0"/>
+              <a:buChar char="•"/>
+            </a:pPr>
+            <a:r>
+              <a:rPr lang="en-US" dirty="0"/>
+              <a:t>Static JS HTML CSS files downloaded in the brower</a:t>
+            </a:r>
+            <a:endParaRPr lang="en-US" dirty="0"/>
+          </a:p>
+          <a:p>
+            <a:pPr marL="171450" lvl="0" indent="-171450" fontAlgn="auto">
+              <a:lnSpc>
+                <a:spcPct val="200000"/>
+              </a:lnSpc>
+              <a:spcBef>
+                <a:spcPts val="700"/>
+              </a:spcBef>
+              <a:buFont typeface="Arial" panose="020B0604020202020204" pitchFamily="34" charset="0"/>
+              <a:buChar char="•"/>
+            </a:pPr>
+            <a:r>
+              <a:rPr lang="en-US" dirty="0"/>
+              <a:t>Firefox demo: </a:t>
+            </a:r>
+            <a:r>
+              <a:rPr lang="en-US" dirty="0">
+                <a:sym typeface="+mn-ea"/>
+              </a:rPr>
+              <a:t>https://www.quora.com/</a:t>
+            </a:r>
+            <a:endParaRPr lang="en-US" dirty="0"/>
+          </a:p>
+          <a:p>
+            <a:pPr marL="171450" lvl="0" indent="-171450" fontAlgn="auto">
+              <a:lnSpc>
+                <a:spcPct val="200000"/>
+              </a:lnSpc>
+              <a:spcBef>
+                <a:spcPts val="700"/>
+              </a:spcBef>
+              <a:buFont typeface="Arial" panose="020B0604020202020204" pitchFamily="34" charset="0"/>
+              <a:buChar char="•"/>
+            </a:pPr>
+            <a:endParaRPr lang="en-US" dirty="0"/>
+          </a:p>
+          <a:p>
+            <a:pPr marL="171450" lvl="0" indent="-171450" fontAlgn="auto">
+              <a:lnSpc>
+                <a:spcPct val="200000"/>
+              </a:lnSpc>
+              <a:spcBef>
+                <a:spcPts val="700"/>
+              </a:spcBef>
+              <a:buFont typeface="Arial" panose="020B0604020202020204" pitchFamily="34" charset="0"/>
+              <a:buChar char="•"/>
+            </a:pPr>
+            <a:endParaRPr lang="en-US" dirty="0"/>
+          </a:p>
+        </p:txBody>
+      </p:sp>
+      <p:sp>
+        <p:nvSpPr>
+          <p:cNvPr id="6" name="TextBox 6"/>
+          <p:cNvSpPr txBox="1"/>
+          <p:nvPr/>
+        </p:nvSpPr>
+        <p:spPr>
+          <a:xfrm>
+            <a:off x="25183" y="6636420"/>
+            <a:ext cx="3270445" cy="184664"/>
+          </a:xfrm>
+          <a:prstGeom prst="rect">
+            <a:avLst/>
+          </a:prstGeom>
+          <a:ln w="12700">
+            <a:miter lim="400000"/>
+          </a:ln>
+        </p:spPr>
+        <p:txBody>
+          <a:bodyPr wrap="none" lIns="34289" tIns="34289" rIns="34289" bIns="34289">
+            <a:spAutoFit/>
+          </a:bodyPr>
+          <a:lstStyle>
+            <a:lvl1pPr defTabSz="914400">
+              <a:defRPr sz="1000">
+                <a:solidFill>
+                  <a:srgbClr val="FFFFFF"/>
+                </a:solidFill>
+                <a:latin typeface="Montserrat"/>
+                <a:ea typeface="Montserrat"/>
+                <a:cs typeface="Montserrat"/>
+                <a:sym typeface="Montserrat"/>
+              </a:defRPr>
+            </a:lvl1pPr>
+          </a:lstStyle>
+          <a:p>
+            <a:r>
+              <a:rPr lang="en-US" sz="750" dirty="0">
+                <a:solidFill>
+                  <a:schemeClr val="tx1"/>
+                </a:solidFill>
+                <a:latin typeface="Montserrat" panose="00000500000000000000" pitchFamily="2" charset="0"/>
+              </a:rPr>
+              <a:t>© 2017-2020    SmartMesh Foundation Pte. Ltd.  |  MeshBox Foundation Pte. Ltd.</a:t>
+            </a:r>
+            <a:endParaRPr lang="en-US" sz="750" dirty="0">
+              <a:solidFill>
+                <a:schemeClr val="tx1"/>
+              </a:solidFill>
+              <a:latin typeface="Montserrat" panose="00000500000000000000" pitchFamily="2" charset="0"/>
+              <a:sym typeface="Arial" panose="020B0604020202020204"/>
+            </a:endParaRPr>
+          </a:p>
+        </p:txBody>
+      </p:sp>
+      <p:sp>
+        <p:nvSpPr>
+          <p:cNvPr id="7" name="TextBox 6"/>
+          <p:cNvSpPr txBox="1">
+            <a:spLocks noChangeArrowheads="1"/>
+          </p:cNvSpPr>
+          <p:nvPr/>
+        </p:nvSpPr>
+        <p:spPr bwMode="auto">
+          <a:xfrm>
+            <a:off x="7872314" y="6569155"/>
+            <a:ext cx="1289447" cy="253916"/>
+          </a:xfrm>
+          <a:prstGeom prst="rect">
+            <a:avLst/>
+          </a:prstGeom>
+          <a:noFill/>
+          <a:ln w="9525">
+            <a:noFill/>
+            <a:miter lim="800000"/>
+          </a:ln>
+        </p:spPr>
+        <p:txBody>
+          <a:bodyPr>
+            <a:spAutoFit/>
+          </a:bodyPr>
+          <a:lstStyle/>
+          <a:p>
+            <a:pPr algn="r"/>
+            <a:fld id="{6F888031-CE6A-4173-BB2B-520974F34056}" type="slidenum">
+              <a:rPr lang="en-GB" sz="1050">
+                <a:latin typeface="Calibri" panose="020F0502020204030204" pitchFamily="34" charset="0"/>
+              </a:rPr>
+            </a:fld>
+            <a:endParaRPr lang="en-GB" sz="1050" dirty="0">
+              <a:latin typeface="Calibri" panose="020F0502020204030204" pitchFamily="34" charset="0"/>
+            </a:endParaRPr>
+          </a:p>
+        </p:txBody>
+      </p:sp>
       <p:pic>
         <p:nvPicPr>
-          <p:cNvPr id="5" name="内容占位符 4"/>
+          <p:cNvPr id="2" name="图片 1"/>
           <p:cNvPicPr>
             <a:picLocks noChangeAspect="1"/>
           </p:cNvPicPr>
-          <p:nvPr>
-            <p:ph idx="1"/>
-          </p:nvPr>
+          <p:nvPr/>
         </p:nvPicPr>
         <p:blipFill>
           <a:blip r:embed="rId1"/>
@@ -8552,8 +11023,8 @@
         </p:blipFill>
         <p:spPr>
           <a:xfrm>
-            <a:off x="546735" y="682625"/>
-            <a:ext cx="8050530" cy="6082665"/>
+            <a:off x="1901190" y="2926080"/>
+            <a:ext cx="4371975" cy="3419475"/>
           </a:xfrm>
           <a:prstGeom prst="rect">
             <a:avLst/>
@@ -8565,6 +11036,9 @@
   <p:clrMapOvr>
     <a:masterClrMapping/>
   </p:clrMapOvr>
+  <p:transition spd="med">
+    <p:fade/>
+  </p:transition>
 </p:sld>
 </file>
 
@@ -8614,7 +11088,7 @@
                 <a:cs typeface="Calibri" panose="020F0502020204030204" pitchFamily="34" charset="0"/>
                 <a:sym typeface="+mn-ea"/>
               </a:rPr>
-              <a:t>Backend Roadmap 2</a:t>
+              <a:t>Frontend Roadmap 4</a:t>
             </a:r>
             <a:endParaRPr lang="en-US" sz="3200" b="1" dirty="0">
               <a:latin typeface="Calibri" panose="020F0502020204030204" pitchFamily="34" charset="0"/>
@@ -8625,7 +11099,7 @@
       </p:sp>
       <p:pic>
         <p:nvPicPr>
-          <p:cNvPr id="4" name="内容占位符 3"/>
+          <p:cNvPr id="5" name="内容占位符 4"/>
           <p:cNvPicPr>
             <a:picLocks noChangeAspect="1"/>
           </p:cNvPicPr>
@@ -8641,8 +11115,8 @@
         </p:blipFill>
         <p:spPr>
           <a:xfrm>
-            <a:off x="585470" y="752475"/>
-            <a:ext cx="7973695" cy="6105525"/>
+            <a:off x="543560" y="682625"/>
+            <a:ext cx="8056880" cy="6078855"/>
           </a:xfrm>
           <a:prstGeom prst="rect">
             <a:avLst/>
